--- a/Design.pptx
+++ b/Design.pptx
@@ -8,6 +8,7 @@
     <p:sldId id="256" r:id="rId2"/>
     <p:sldId id="257" r:id="rId3"/>
     <p:sldId id="258" r:id="rId4"/>
+    <p:sldId id="259" r:id="rId5"/>
   </p:sldIdLst>
   <p:sldSz cx="12192000" cy="6858000"/>
   <p:notesSz cx="6858000" cy="9144000"/>
@@ -152,7 +153,7 @@
           <a:bodyPr anchor="b"/>
           <a:lstStyle>
             <a:lvl1pPr algn="ctr">
-              <a:defRPr sz="6000"/>
+              <a:defRPr sz="5998"/>
             </a:lvl1pPr>
           </a:lstStyle>
           <a:p>
@@ -192,35 +193,35 @@
               <a:buNone/>
               <a:defRPr sz="2400"/>
             </a:lvl1pPr>
-            <a:lvl2pPr marL="457200" indent="0" algn="ctr">
+            <a:lvl2pPr marL="457186" indent="0" algn="ctr">
               <a:buNone/>
               <a:defRPr sz="2000"/>
             </a:lvl2pPr>
-            <a:lvl3pPr marL="914400" indent="0" algn="ctr">
+            <a:lvl3pPr marL="914372" indent="0" algn="ctr">
               <a:buNone/>
-              <a:defRPr sz="1800"/>
+              <a:defRPr sz="1801"/>
             </a:lvl3pPr>
-            <a:lvl4pPr marL="1371600" indent="0" algn="ctr">
+            <a:lvl4pPr marL="1371560" indent="0" algn="ctr">
               <a:buNone/>
               <a:defRPr sz="1600"/>
             </a:lvl4pPr>
-            <a:lvl5pPr marL="1828800" indent="0" algn="ctr">
+            <a:lvl5pPr marL="1828746" indent="0" algn="ctr">
               <a:buNone/>
               <a:defRPr sz="1600"/>
             </a:lvl5pPr>
-            <a:lvl6pPr marL="2286000" indent="0" algn="ctr">
+            <a:lvl6pPr marL="2285933" indent="0" algn="ctr">
               <a:buNone/>
               <a:defRPr sz="1600"/>
             </a:lvl6pPr>
-            <a:lvl7pPr marL="2743200" indent="0" algn="ctr">
+            <a:lvl7pPr marL="2743119" indent="0" algn="ctr">
               <a:buNone/>
               <a:defRPr sz="1600"/>
             </a:lvl7pPr>
-            <a:lvl8pPr marL="3200400" indent="0" algn="ctr">
+            <a:lvl8pPr marL="3200307" indent="0" algn="ctr">
               <a:buNone/>
               <a:defRPr sz="1600"/>
             </a:lvl8pPr>
-            <a:lvl9pPr marL="3657600" indent="0" algn="ctr">
+            <a:lvl9pPr marL="3657493" indent="0" algn="ctr">
               <a:buNone/>
               <a:defRPr sz="1600"/>
             </a:lvl9pPr>
@@ -562,7 +563,7 @@
         </p:nvSpPr>
         <p:spPr>
           <a:xfrm>
-            <a:off x="8724900" y="365125"/>
+            <a:off x="8724899" y="365125"/>
             <a:ext cx="2628900" cy="5811838"/>
           </a:xfrm>
         </p:spPr>
@@ -595,7 +596,7 @@
         </p:nvSpPr>
         <p:spPr>
           <a:xfrm>
-            <a:off x="838200" y="365125"/>
+            <a:off x="838199" y="365125"/>
             <a:ext cx="7734300" cy="5811838"/>
           </a:xfrm>
         </p:spPr>
@@ -968,7 +969,7 @@
         </p:nvSpPr>
         <p:spPr>
           <a:xfrm>
-            <a:off x="831850" y="1709738"/>
+            <a:off x="831853" y="1709738"/>
             <a:ext cx="10515600" cy="2852737"/>
           </a:xfrm>
         </p:spPr>
@@ -976,7 +977,7 @@
           <a:bodyPr anchor="b"/>
           <a:lstStyle>
             <a:lvl1pPr>
-              <a:defRPr sz="6000"/>
+              <a:defRPr sz="5998"/>
             </a:lvl1pPr>
           </a:lstStyle>
           <a:p>
@@ -1005,7 +1006,7 @@
         </p:nvSpPr>
         <p:spPr>
           <a:xfrm>
-            <a:off x="831850" y="4589463"/>
+            <a:off x="831853" y="4589465"/>
             <a:ext cx="10515600" cy="1500187"/>
           </a:xfrm>
         </p:spPr>
@@ -1022,7 +1023,7 @@
                 </a:solidFill>
               </a:defRPr>
             </a:lvl1pPr>
-            <a:lvl2pPr marL="457200" indent="0">
+            <a:lvl2pPr marL="457186" indent="0">
               <a:buNone/>
               <a:defRPr sz="2000">
                 <a:solidFill>
@@ -1032,9 +1033,9 @@
                 </a:solidFill>
               </a:defRPr>
             </a:lvl2pPr>
-            <a:lvl3pPr marL="914400" indent="0">
+            <a:lvl3pPr marL="914372" indent="0">
               <a:buNone/>
-              <a:defRPr sz="1800">
+              <a:defRPr sz="1801">
                 <a:solidFill>
                   <a:schemeClr val="tx1">
                     <a:tint val="75000"/>
@@ -1042,7 +1043,7 @@
                 </a:solidFill>
               </a:defRPr>
             </a:lvl3pPr>
-            <a:lvl4pPr marL="1371600" indent="0">
+            <a:lvl4pPr marL="1371560" indent="0">
               <a:buNone/>
               <a:defRPr sz="1600">
                 <a:solidFill>
@@ -1052,7 +1053,7 @@
                 </a:solidFill>
               </a:defRPr>
             </a:lvl4pPr>
-            <a:lvl5pPr marL="1828800" indent="0">
+            <a:lvl5pPr marL="1828746" indent="0">
               <a:buNone/>
               <a:defRPr sz="1600">
                 <a:solidFill>
@@ -1062,7 +1063,7 @@
                 </a:solidFill>
               </a:defRPr>
             </a:lvl5pPr>
-            <a:lvl6pPr marL="2286000" indent="0">
+            <a:lvl6pPr marL="2285933" indent="0">
               <a:buNone/>
               <a:defRPr sz="1600">
                 <a:solidFill>
@@ -1072,7 +1073,7 @@
                 </a:solidFill>
               </a:defRPr>
             </a:lvl6pPr>
-            <a:lvl7pPr marL="2743200" indent="0">
+            <a:lvl7pPr marL="2743119" indent="0">
               <a:buNone/>
               <a:defRPr sz="1600">
                 <a:solidFill>
@@ -1082,7 +1083,7 @@
                 </a:solidFill>
               </a:defRPr>
             </a:lvl7pPr>
-            <a:lvl8pPr marL="3200400" indent="0">
+            <a:lvl8pPr marL="3200307" indent="0">
               <a:buNone/>
               <a:defRPr sz="1600">
                 <a:solidFill>
@@ -1092,7 +1093,7 @@
                 </a:solidFill>
               </a:defRPr>
             </a:lvl8pPr>
-            <a:lvl9pPr marL="3657600" indent="0">
+            <a:lvl9pPr marL="3657493" indent="0">
               <a:buNone/>
               <a:defRPr sz="1600">
                 <a:solidFill>
@@ -1271,7 +1272,7 @@
         </p:nvSpPr>
         <p:spPr>
           <a:xfrm>
-            <a:off x="838200" y="1825625"/>
+            <a:off x="838201" y="1825625"/>
             <a:ext cx="5181600" cy="4351338"/>
           </a:xfrm>
         </p:spPr>
@@ -1333,7 +1334,7 @@
         </p:nvSpPr>
         <p:spPr>
           <a:xfrm>
-            <a:off x="6172200" y="1825625"/>
+            <a:off x="6172201" y="1825625"/>
             <a:ext cx="5181600" cy="4351338"/>
           </a:xfrm>
         </p:spPr>
@@ -1508,7 +1509,7 @@
         </p:nvSpPr>
         <p:spPr>
           <a:xfrm>
-            <a:off x="839788" y="365125"/>
+            <a:off x="839789" y="365127"/>
             <a:ext cx="10515600" cy="1325563"/>
           </a:xfrm>
         </p:spPr>
@@ -1541,7 +1542,7 @@
         </p:nvSpPr>
         <p:spPr>
           <a:xfrm>
-            <a:off x="839788" y="1681163"/>
+            <a:off x="839791" y="1681164"/>
             <a:ext cx="5157787" cy="823912"/>
           </a:xfrm>
         </p:spPr>
@@ -1552,35 +1553,35 @@
               <a:buNone/>
               <a:defRPr sz="2400" b="1"/>
             </a:lvl1pPr>
-            <a:lvl2pPr marL="457200" indent="0">
+            <a:lvl2pPr marL="457186" indent="0">
               <a:buNone/>
               <a:defRPr sz="2000" b="1"/>
             </a:lvl2pPr>
-            <a:lvl3pPr marL="914400" indent="0">
+            <a:lvl3pPr marL="914372" indent="0">
               <a:buNone/>
-              <a:defRPr sz="1800" b="1"/>
+              <a:defRPr sz="1801" b="1"/>
             </a:lvl3pPr>
-            <a:lvl4pPr marL="1371600" indent="0">
+            <a:lvl4pPr marL="1371560" indent="0">
               <a:buNone/>
               <a:defRPr sz="1600" b="1"/>
             </a:lvl4pPr>
-            <a:lvl5pPr marL="1828800" indent="0">
+            <a:lvl5pPr marL="1828746" indent="0">
               <a:buNone/>
               <a:defRPr sz="1600" b="1"/>
             </a:lvl5pPr>
-            <a:lvl6pPr marL="2286000" indent="0">
+            <a:lvl6pPr marL="2285933" indent="0">
               <a:buNone/>
               <a:defRPr sz="1600" b="1"/>
             </a:lvl6pPr>
-            <a:lvl7pPr marL="2743200" indent="0">
+            <a:lvl7pPr marL="2743119" indent="0">
               <a:buNone/>
               <a:defRPr sz="1600" b="1"/>
             </a:lvl7pPr>
-            <a:lvl8pPr marL="3200400" indent="0">
+            <a:lvl8pPr marL="3200307" indent="0">
               <a:buNone/>
               <a:defRPr sz="1600" b="1"/>
             </a:lvl8pPr>
-            <a:lvl9pPr marL="3657600" indent="0">
+            <a:lvl9pPr marL="3657493" indent="0">
               <a:buNone/>
               <a:defRPr sz="1600" b="1"/>
             </a:lvl9pPr>
@@ -1612,7 +1613,7 @@
         </p:nvSpPr>
         <p:spPr>
           <a:xfrm>
-            <a:off x="839788" y="2505075"/>
+            <a:off x="839791" y="2505076"/>
             <a:ext cx="5157787" cy="3684588"/>
           </a:xfrm>
         </p:spPr>
@@ -1674,7 +1675,7 @@
         </p:nvSpPr>
         <p:spPr>
           <a:xfrm>
-            <a:off x="6172200" y="1681163"/>
+            <a:off x="6172203" y="1681164"/>
             <a:ext cx="5183188" cy="823912"/>
           </a:xfrm>
         </p:spPr>
@@ -1685,35 +1686,35 @@
               <a:buNone/>
               <a:defRPr sz="2400" b="1"/>
             </a:lvl1pPr>
-            <a:lvl2pPr marL="457200" indent="0">
+            <a:lvl2pPr marL="457186" indent="0">
               <a:buNone/>
               <a:defRPr sz="2000" b="1"/>
             </a:lvl2pPr>
-            <a:lvl3pPr marL="914400" indent="0">
+            <a:lvl3pPr marL="914372" indent="0">
               <a:buNone/>
-              <a:defRPr sz="1800" b="1"/>
+              <a:defRPr sz="1801" b="1"/>
             </a:lvl3pPr>
-            <a:lvl4pPr marL="1371600" indent="0">
+            <a:lvl4pPr marL="1371560" indent="0">
               <a:buNone/>
               <a:defRPr sz="1600" b="1"/>
             </a:lvl4pPr>
-            <a:lvl5pPr marL="1828800" indent="0">
+            <a:lvl5pPr marL="1828746" indent="0">
               <a:buNone/>
               <a:defRPr sz="1600" b="1"/>
             </a:lvl5pPr>
-            <a:lvl6pPr marL="2286000" indent="0">
+            <a:lvl6pPr marL="2285933" indent="0">
               <a:buNone/>
               <a:defRPr sz="1600" b="1"/>
             </a:lvl6pPr>
-            <a:lvl7pPr marL="2743200" indent="0">
+            <a:lvl7pPr marL="2743119" indent="0">
               <a:buNone/>
               <a:defRPr sz="1600" b="1"/>
             </a:lvl7pPr>
-            <a:lvl8pPr marL="3200400" indent="0">
+            <a:lvl8pPr marL="3200307" indent="0">
               <a:buNone/>
               <a:defRPr sz="1600" b="1"/>
             </a:lvl8pPr>
-            <a:lvl9pPr marL="3657600" indent="0">
+            <a:lvl9pPr marL="3657493" indent="0">
               <a:buNone/>
               <a:defRPr sz="1600" b="1"/>
             </a:lvl9pPr>
@@ -1745,7 +1746,7 @@
         </p:nvSpPr>
         <p:spPr>
           <a:xfrm>
-            <a:off x="6172200" y="2505075"/>
+            <a:off x="6172203" y="2505076"/>
             <a:ext cx="5183188" cy="3684588"/>
           </a:xfrm>
         </p:spPr>
@@ -2174,8 +2175,8 @@
         </p:nvSpPr>
         <p:spPr>
           <a:xfrm>
-            <a:off x="839788" y="457200"/>
-            <a:ext cx="3932237" cy="1600200"/>
+            <a:off x="839791" y="457200"/>
+            <a:ext cx="3932236" cy="1600200"/>
           </a:xfrm>
         </p:spPr>
         <p:txBody>
@@ -2211,8 +2212,8 @@
         </p:nvSpPr>
         <p:spPr>
           <a:xfrm>
-            <a:off x="5183188" y="987425"/>
-            <a:ext cx="6172200" cy="4873625"/>
+            <a:off x="5183190" y="987427"/>
+            <a:ext cx="6172201" cy="4873625"/>
           </a:xfrm>
         </p:spPr>
         <p:txBody>
@@ -2301,8 +2302,8 @@
         </p:nvSpPr>
         <p:spPr>
           <a:xfrm>
-            <a:off x="839788" y="2057400"/>
-            <a:ext cx="3932237" cy="3811588"/>
+            <a:off x="839791" y="2057400"/>
+            <a:ext cx="3932236" cy="3811588"/>
           </a:xfrm>
         </p:spPr>
         <p:txBody>
@@ -2312,37 +2313,37 @@
               <a:buNone/>
               <a:defRPr sz="1600"/>
             </a:lvl1pPr>
-            <a:lvl2pPr marL="457200" indent="0">
+            <a:lvl2pPr marL="457186" indent="0">
               <a:buNone/>
-              <a:defRPr sz="1400"/>
+              <a:defRPr sz="1401"/>
             </a:lvl2pPr>
-            <a:lvl3pPr marL="914400" indent="0">
+            <a:lvl3pPr marL="914372" indent="0">
               <a:buNone/>
               <a:defRPr sz="1200"/>
             </a:lvl3pPr>
-            <a:lvl4pPr marL="1371600" indent="0">
+            <a:lvl4pPr marL="1371560" indent="0">
               <a:buNone/>
-              <a:defRPr sz="1000"/>
+              <a:defRPr sz="1001"/>
             </a:lvl4pPr>
-            <a:lvl5pPr marL="1828800" indent="0">
+            <a:lvl5pPr marL="1828746" indent="0">
               <a:buNone/>
-              <a:defRPr sz="1000"/>
+              <a:defRPr sz="1001"/>
             </a:lvl5pPr>
-            <a:lvl6pPr marL="2286000" indent="0">
+            <a:lvl6pPr marL="2285933" indent="0">
               <a:buNone/>
-              <a:defRPr sz="1000"/>
+              <a:defRPr sz="1001"/>
             </a:lvl6pPr>
-            <a:lvl7pPr marL="2743200" indent="0">
+            <a:lvl7pPr marL="2743119" indent="0">
               <a:buNone/>
-              <a:defRPr sz="1000"/>
+              <a:defRPr sz="1001"/>
             </a:lvl7pPr>
-            <a:lvl8pPr marL="3200400" indent="0">
+            <a:lvl8pPr marL="3200307" indent="0">
               <a:buNone/>
-              <a:defRPr sz="1000"/>
+              <a:defRPr sz="1001"/>
             </a:lvl8pPr>
-            <a:lvl9pPr marL="3657600" indent="0">
+            <a:lvl9pPr marL="3657493" indent="0">
               <a:buNone/>
-              <a:defRPr sz="1000"/>
+              <a:defRPr sz="1001"/>
             </a:lvl9pPr>
           </a:lstStyle>
           <a:p>
@@ -2485,8 +2486,8 @@
         </p:nvSpPr>
         <p:spPr>
           <a:xfrm>
-            <a:off x="839788" y="457200"/>
-            <a:ext cx="3932237" cy="1600200"/>
+            <a:off x="839791" y="457200"/>
+            <a:ext cx="3932236" cy="1600200"/>
           </a:xfrm>
         </p:spPr>
         <p:txBody>
@@ -2522,8 +2523,8 @@
         </p:nvSpPr>
         <p:spPr>
           <a:xfrm>
-            <a:off x="5183188" y="987425"/>
-            <a:ext cx="6172200" cy="4873625"/>
+            <a:off x="5183190" y="987427"/>
+            <a:ext cx="6172201" cy="4873625"/>
           </a:xfrm>
         </p:spPr>
         <p:txBody>
@@ -2533,35 +2534,35 @@
               <a:buNone/>
               <a:defRPr sz="3200"/>
             </a:lvl1pPr>
-            <a:lvl2pPr marL="457200" indent="0">
+            <a:lvl2pPr marL="457186" indent="0">
               <a:buNone/>
               <a:defRPr sz="2800"/>
             </a:lvl2pPr>
-            <a:lvl3pPr marL="914400" indent="0">
+            <a:lvl3pPr marL="914372" indent="0">
               <a:buNone/>
               <a:defRPr sz="2400"/>
             </a:lvl3pPr>
-            <a:lvl4pPr marL="1371600" indent="0">
+            <a:lvl4pPr marL="1371560" indent="0">
               <a:buNone/>
               <a:defRPr sz="2000"/>
             </a:lvl4pPr>
-            <a:lvl5pPr marL="1828800" indent="0">
+            <a:lvl5pPr marL="1828746" indent="0">
               <a:buNone/>
               <a:defRPr sz="2000"/>
             </a:lvl5pPr>
-            <a:lvl6pPr marL="2286000" indent="0">
+            <a:lvl6pPr marL="2285933" indent="0">
               <a:buNone/>
               <a:defRPr sz="2000"/>
             </a:lvl6pPr>
-            <a:lvl7pPr marL="2743200" indent="0">
+            <a:lvl7pPr marL="2743119" indent="0">
               <a:buNone/>
               <a:defRPr sz="2000"/>
             </a:lvl7pPr>
-            <a:lvl8pPr marL="3200400" indent="0">
+            <a:lvl8pPr marL="3200307" indent="0">
               <a:buNone/>
               <a:defRPr sz="2000"/>
             </a:lvl8pPr>
-            <a:lvl9pPr marL="3657600" indent="0">
+            <a:lvl9pPr marL="3657493" indent="0">
               <a:buNone/>
               <a:defRPr sz="2000"/>
             </a:lvl9pPr>
@@ -2589,8 +2590,8 @@
         </p:nvSpPr>
         <p:spPr>
           <a:xfrm>
-            <a:off x="839788" y="2057400"/>
-            <a:ext cx="3932237" cy="3811588"/>
+            <a:off x="839791" y="2057400"/>
+            <a:ext cx="3932236" cy="3811588"/>
           </a:xfrm>
         </p:spPr>
         <p:txBody>
@@ -2600,37 +2601,37 @@
               <a:buNone/>
               <a:defRPr sz="1600"/>
             </a:lvl1pPr>
-            <a:lvl2pPr marL="457200" indent="0">
+            <a:lvl2pPr marL="457186" indent="0">
               <a:buNone/>
-              <a:defRPr sz="1400"/>
+              <a:defRPr sz="1401"/>
             </a:lvl2pPr>
-            <a:lvl3pPr marL="914400" indent="0">
+            <a:lvl3pPr marL="914372" indent="0">
               <a:buNone/>
               <a:defRPr sz="1200"/>
             </a:lvl3pPr>
-            <a:lvl4pPr marL="1371600" indent="0">
+            <a:lvl4pPr marL="1371560" indent="0">
               <a:buNone/>
-              <a:defRPr sz="1000"/>
+              <a:defRPr sz="1001"/>
             </a:lvl4pPr>
-            <a:lvl5pPr marL="1828800" indent="0">
+            <a:lvl5pPr marL="1828746" indent="0">
               <a:buNone/>
-              <a:defRPr sz="1000"/>
+              <a:defRPr sz="1001"/>
             </a:lvl5pPr>
-            <a:lvl6pPr marL="2286000" indent="0">
+            <a:lvl6pPr marL="2285933" indent="0">
               <a:buNone/>
-              <a:defRPr sz="1000"/>
+              <a:defRPr sz="1001"/>
             </a:lvl6pPr>
-            <a:lvl7pPr marL="2743200" indent="0">
+            <a:lvl7pPr marL="2743119" indent="0">
               <a:buNone/>
-              <a:defRPr sz="1000"/>
+              <a:defRPr sz="1001"/>
             </a:lvl7pPr>
-            <a:lvl8pPr marL="3200400" indent="0">
+            <a:lvl8pPr marL="3200307" indent="0">
               <a:buNone/>
-              <a:defRPr sz="1000"/>
+              <a:defRPr sz="1001"/>
             </a:lvl8pPr>
-            <a:lvl9pPr marL="3657600" indent="0">
+            <a:lvl9pPr marL="3657493" indent="0">
               <a:buNone/>
-              <a:defRPr sz="1000"/>
+              <a:defRPr sz="1001"/>
             </a:lvl9pPr>
           </a:lstStyle>
           <a:p>
@@ -2778,7 +2779,7 @@
         </p:nvSpPr>
         <p:spPr>
           <a:xfrm>
-            <a:off x="838200" y="365125"/>
+            <a:off x="838204" y="365127"/>
             <a:ext cx="10515600" cy="1325563"/>
           </a:xfrm>
           <a:prstGeom prst="rect">
@@ -2816,7 +2817,7 @@
         </p:nvSpPr>
         <p:spPr>
           <a:xfrm>
-            <a:off x="838200" y="1825625"/>
+            <a:off x="838204" y="1825625"/>
             <a:ext cx="10515600" cy="4351338"/>
           </a:xfrm>
           <a:prstGeom prst="rect">
@@ -2883,7 +2884,7 @@
         </p:nvSpPr>
         <p:spPr>
           <a:xfrm>
-            <a:off x="838200" y="6356350"/>
+            <a:off x="838201" y="6356352"/>
             <a:ext cx="2743200" cy="365125"/>
           </a:xfrm>
           <a:prstGeom prst="rect">
@@ -2930,7 +2931,7 @@
         </p:nvSpPr>
         <p:spPr>
           <a:xfrm>
-            <a:off x="4038600" y="6356350"/>
+            <a:off x="4038604" y="6356352"/>
             <a:ext cx="4114800" cy="365125"/>
           </a:xfrm>
           <a:prstGeom prst="rect">
@@ -2973,7 +2974,7 @@
         </p:nvSpPr>
         <p:spPr>
           <a:xfrm>
-            <a:off x="8610600" y="6356350"/>
+            <a:off x="8610601" y="6356352"/>
             <a:ext cx="2743200" cy="365125"/>
           </a:xfrm>
           <a:prstGeom prst="rect">
@@ -3025,7 +3026,7 @@
   </p:sldLayoutIdLst>
   <p:txStyles>
     <p:titleStyle>
-      <a:lvl1pPr algn="l" defTabSz="914400" rtl="0" eaLnBrk="1" latinLnBrk="0" hangingPunct="1">
+      <a:lvl1pPr algn="l" defTabSz="914372" rtl="0" eaLnBrk="1" latinLnBrk="0" hangingPunct="1">
         <a:lnSpc>
           <a:spcPct val="90000"/>
         </a:lnSpc>
@@ -3044,12 +3045,12 @@
       </a:lvl1pPr>
     </p:titleStyle>
     <p:bodyStyle>
-      <a:lvl1pPr marL="228600" indent="-228600" algn="l" defTabSz="914400" rtl="0" eaLnBrk="1" latinLnBrk="0" hangingPunct="1">
+      <a:lvl1pPr marL="228593" indent="-228593" algn="l" defTabSz="914372" rtl="0" eaLnBrk="1" latinLnBrk="0" hangingPunct="1">
         <a:lnSpc>
           <a:spcPct val="90000"/>
         </a:lnSpc>
         <a:spcBef>
-          <a:spcPts val="1000"/>
+          <a:spcPts val="1001"/>
         </a:spcBef>
         <a:buFont typeface="Arial" panose="020B0604020202020204" pitchFamily="34" charset="0"/>
         <a:buChar char="•"/>
@@ -3062,7 +3063,7 @@
           <a:cs typeface="+mn-cs"/>
         </a:defRPr>
       </a:lvl1pPr>
-      <a:lvl2pPr marL="685800" indent="-228600" algn="l" defTabSz="914400" rtl="0" eaLnBrk="1" latinLnBrk="0" hangingPunct="1">
+      <a:lvl2pPr marL="685781" indent="-228593" algn="l" defTabSz="914372" rtl="0" eaLnBrk="1" latinLnBrk="0" hangingPunct="1">
         <a:lnSpc>
           <a:spcPct val="90000"/>
         </a:lnSpc>
@@ -3080,7 +3081,7 @@
           <a:cs typeface="+mn-cs"/>
         </a:defRPr>
       </a:lvl2pPr>
-      <a:lvl3pPr marL="1143000" indent="-228600" algn="l" defTabSz="914400" rtl="0" eaLnBrk="1" latinLnBrk="0" hangingPunct="1">
+      <a:lvl3pPr marL="1142967" indent="-228593" algn="l" defTabSz="914372" rtl="0" eaLnBrk="1" latinLnBrk="0" hangingPunct="1">
         <a:lnSpc>
           <a:spcPct val="90000"/>
         </a:lnSpc>
@@ -3098,7 +3099,7 @@
           <a:cs typeface="+mn-cs"/>
         </a:defRPr>
       </a:lvl3pPr>
-      <a:lvl4pPr marL="1600200" indent="-228600" algn="l" defTabSz="914400" rtl="0" eaLnBrk="1" latinLnBrk="0" hangingPunct="1">
+      <a:lvl4pPr marL="1600153" indent="-228593" algn="l" defTabSz="914372" rtl="0" eaLnBrk="1" latinLnBrk="0" hangingPunct="1">
         <a:lnSpc>
           <a:spcPct val="90000"/>
         </a:lnSpc>
@@ -3107,7 +3108,7 @@
         </a:spcBef>
         <a:buFont typeface="Arial" panose="020B0604020202020204" pitchFamily="34" charset="0"/>
         <a:buChar char="•"/>
-        <a:defRPr sz="1800" kern="1200">
+        <a:defRPr sz="1801" kern="1200">
           <a:solidFill>
             <a:schemeClr val="tx1"/>
           </a:solidFill>
@@ -3116,7 +3117,7 @@
           <a:cs typeface="+mn-cs"/>
         </a:defRPr>
       </a:lvl4pPr>
-      <a:lvl5pPr marL="2057400" indent="-228600" algn="l" defTabSz="914400" rtl="0" eaLnBrk="1" latinLnBrk="0" hangingPunct="1">
+      <a:lvl5pPr marL="2057339" indent="-228593" algn="l" defTabSz="914372" rtl="0" eaLnBrk="1" latinLnBrk="0" hangingPunct="1">
         <a:lnSpc>
           <a:spcPct val="90000"/>
         </a:lnSpc>
@@ -3125,7 +3126,7 @@
         </a:spcBef>
         <a:buFont typeface="Arial" panose="020B0604020202020204" pitchFamily="34" charset="0"/>
         <a:buChar char="•"/>
-        <a:defRPr sz="1800" kern="1200">
+        <a:defRPr sz="1801" kern="1200">
           <a:solidFill>
             <a:schemeClr val="tx1"/>
           </a:solidFill>
@@ -3134,7 +3135,7 @@
           <a:cs typeface="+mn-cs"/>
         </a:defRPr>
       </a:lvl5pPr>
-      <a:lvl6pPr marL="2514600" indent="-228600" algn="l" defTabSz="914400" rtl="0" eaLnBrk="1" latinLnBrk="0" hangingPunct="1">
+      <a:lvl6pPr marL="2514526" indent="-228593" algn="l" defTabSz="914372" rtl="0" eaLnBrk="1" latinLnBrk="0" hangingPunct="1">
         <a:lnSpc>
           <a:spcPct val="90000"/>
         </a:lnSpc>
@@ -3143,7 +3144,7 @@
         </a:spcBef>
         <a:buFont typeface="Arial" panose="020B0604020202020204" pitchFamily="34" charset="0"/>
         <a:buChar char="•"/>
-        <a:defRPr sz="1800" kern="1200">
+        <a:defRPr sz="1801" kern="1200">
           <a:solidFill>
             <a:schemeClr val="tx1"/>
           </a:solidFill>
@@ -3152,7 +3153,7 @@
           <a:cs typeface="+mn-cs"/>
         </a:defRPr>
       </a:lvl6pPr>
-      <a:lvl7pPr marL="2971800" indent="-228600" algn="l" defTabSz="914400" rtl="0" eaLnBrk="1" latinLnBrk="0" hangingPunct="1">
+      <a:lvl7pPr marL="2971714" indent="-228593" algn="l" defTabSz="914372" rtl="0" eaLnBrk="1" latinLnBrk="0" hangingPunct="1">
         <a:lnSpc>
           <a:spcPct val="90000"/>
         </a:lnSpc>
@@ -3161,7 +3162,7 @@
         </a:spcBef>
         <a:buFont typeface="Arial" panose="020B0604020202020204" pitchFamily="34" charset="0"/>
         <a:buChar char="•"/>
-        <a:defRPr sz="1800" kern="1200">
+        <a:defRPr sz="1801" kern="1200">
           <a:solidFill>
             <a:schemeClr val="tx1"/>
           </a:solidFill>
@@ -3170,7 +3171,7 @@
           <a:cs typeface="+mn-cs"/>
         </a:defRPr>
       </a:lvl7pPr>
-      <a:lvl8pPr marL="3429000" indent="-228600" algn="l" defTabSz="914400" rtl="0" eaLnBrk="1" latinLnBrk="0" hangingPunct="1">
+      <a:lvl8pPr marL="3428900" indent="-228593" algn="l" defTabSz="914372" rtl="0" eaLnBrk="1" latinLnBrk="0" hangingPunct="1">
         <a:lnSpc>
           <a:spcPct val="90000"/>
         </a:lnSpc>
@@ -3179,7 +3180,7 @@
         </a:spcBef>
         <a:buFont typeface="Arial" panose="020B0604020202020204" pitchFamily="34" charset="0"/>
         <a:buChar char="•"/>
-        <a:defRPr sz="1800" kern="1200">
+        <a:defRPr sz="1801" kern="1200">
           <a:solidFill>
             <a:schemeClr val="tx1"/>
           </a:solidFill>
@@ -3188,7 +3189,7 @@
           <a:cs typeface="+mn-cs"/>
         </a:defRPr>
       </a:lvl8pPr>
-      <a:lvl9pPr marL="3886200" indent="-228600" algn="l" defTabSz="914400" rtl="0" eaLnBrk="1" latinLnBrk="0" hangingPunct="1">
+      <a:lvl9pPr marL="3886086" indent="-228593" algn="l" defTabSz="914372" rtl="0" eaLnBrk="1" latinLnBrk="0" hangingPunct="1">
         <a:lnSpc>
           <a:spcPct val="90000"/>
         </a:lnSpc>
@@ -3197,7 +3198,7 @@
         </a:spcBef>
         <a:buFont typeface="Arial" panose="020B0604020202020204" pitchFamily="34" charset="0"/>
         <a:buChar char="•"/>
-        <a:defRPr sz="1800" kern="1200">
+        <a:defRPr sz="1801" kern="1200">
           <a:solidFill>
             <a:schemeClr val="tx1"/>
           </a:solidFill>
@@ -3211,8 +3212,8 @@
       <a:defPPr>
         <a:defRPr lang="en-US"/>
       </a:defPPr>
-      <a:lvl1pPr marL="0" algn="l" defTabSz="914400" rtl="0" eaLnBrk="1" latinLnBrk="0" hangingPunct="1">
-        <a:defRPr sz="1800" kern="1200">
+      <a:lvl1pPr marL="0" algn="l" defTabSz="914372" rtl="0" eaLnBrk="1" latinLnBrk="0" hangingPunct="1">
+        <a:defRPr sz="1801" kern="1200">
           <a:solidFill>
             <a:schemeClr val="tx1"/>
           </a:solidFill>
@@ -3221,8 +3222,8 @@
           <a:cs typeface="+mn-cs"/>
         </a:defRPr>
       </a:lvl1pPr>
-      <a:lvl2pPr marL="457200" algn="l" defTabSz="914400" rtl="0" eaLnBrk="1" latinLnBrk="0" hangingPunct="1">
-        <a:defRPr sz="1800" kern="1200">
+      <a:lvl2pPr marL="457186" algn="l" defTabSz="914372" rtl="0" eaLnBrk="1" latinLnBrk="0" hangingPunct="1">
+        <a:defRPr sz="1801" kern="1200">
           <a:solidFill>
             <a:schemeClr val="tx1"/>
           </a:solidFill>
@@ -3231,8 +3232,8 @@
           <a:cs typeface="+mn-cs"/>
         </a:defRPr>
       </a:lvl2pPr>
-      <a:lvl3pPr marL="914400" algn="l" defTabSz="914400" rtl="0" eaLnBrk="1" latinLnBrk="0" hangingPunct="1">
-        <a:defRPr sz="1800" kern="1200">
+      <a:lvl3pPr marL="914372" algn="l" defTabSz="914372" rtl="0" eaLnBrk="1" latinLnBrk="0" hangingPunct="1">
+        <a:defRPr sz="1801" kern="1200">
           <a:solidFill>
             <a:schemeClr val="tx1"/>
           </a:solidFill>
@@ -3241,8 +3242,8 @@
           <a:cs typeface="+mn-cs"/>
         </a:defRPr>
       </a:lvl3pPr>
-      <a:lvl4pPr marL="1371600" algn="l" defTabSz="914400" rtl="0" eaLnBrk="1" latinLnBrk="0" hangingPunct="1">
-        <a:defRPr sz="1800" kern="1200">
+      <a:lvl4pPr marL="1371560" algn="l" defTabSz="914372" rtl="0" eaLnBrk="1" latinLnBrk="0" hangingPunct="1">
+        <a:defRPr sz="1801" kern="1200">
           <a:solidFill>
             <a:schemeClr val="tx1"/>
           </a:solidFill>
@@ -3251,8 +3252,8 @@
           <a:cs typeface="+mn-cs"/>
         </a:defRPr>
       </a:lvl4pPr>
-      <a:lvl5pPr marL="1828800" algn="l" defTabSz="914400" rtl="0" eaLnBrk="1" latinLnBrk="0" hangingPunct="1">
-        <a:defRPr sz="1800" kern="1200">
+      <a:lvl5pPr marL="1828746" algn="l" defTabSz="914372" rtl="0" eaLnBrk="1" latinLnBrk="0" hangingPunct="1">
+        <a:defRPr sz="1801" kern="1200">
           <a:solidFill>
             <a:schemeClr val="tx1"/>
           </a:solidFill>
@@ -3261,8 +3262,8 @@
           <a:cs typeface="+mn-cs"/>
         </a:defRPr>
       </a:lvl5pPr>
-      <a:lvl6pPr marL="2286000" algn="l" defTabSz="914400" rtl="0" eaLnBrk="1" latinLnBrk="0" hangingPunct="1">
-        <a:defRPr sz="1800" kern="1200">
+      <a:lvl6pPr marL="2285933" algn="l" defTabSz="914372" rtl="0" eaLnBrk="1" latinLnBrk="0" hangingPunct="1">
+        <a:defRPr sz="1801" kern="1200">
           <a:solidFill>
             <a:schemeClr val="tx1"/>
           </a:solidFill>
@@ -3271,8 +3272,8 @@
           <a:cs typeface="+mn-cs"/>
         </a:defRPr>
       </a:lvl6pPr>
-      <a:lvl7pPr marL="2743200" algn="l" defTabSz="914400" rtl="0" eaLnBrk="1" latinLnBrk="0" hangingPunct="1">
-        <a:defRPr sz="1800" kern="1200">
+      <a:lvl7pPr marL="2743119" algn="l" defTabSz="914372" rtl="0" eaLnBrk="1" latinLnBrk="0" hangingPunct="1">
+        <a:defRPr sz="1801" kern="1200">
           <a:solidFill>
             <a:schemeClr val="tx1"/>
           </a:solidFill>
@@ -3281,8 +3282,8 @@
           <a:cs typeface="+mn-cs"/>
         </a:defRPr>
       </a:lvl7pPr>
-      <a:lvl8pPr marL="3200400" algn="l" defTabSz="914400" rtl="0" eaLnBrk="1" latinLnBrk="0" hangingPunct="1">
-        <a:defRPr sz="1800" kern="1200">
+      <a:lvl8pPr marL="3200307" algn="l" defTabSz="914372" rtl="0" eaLnBrk="1" latinLnBrk="0" hangingPunct="1">
+        <a:defRPr sz="1801" kern="1200">
           <a:solidFill>
             <a:schemeClr val="tx1"/>
           </a:solidFill>
@@ -3291,8 +3292,8 @@
           <a:cs typeface="+mn-cs"/>
         </a:defRPr>
       </a:lvl8pPr>
-      <a:lvl9pPr marL="3657600" algn="l" defTabSz="914400" rtl="0" eaLnBrk="1" latinLnBrk="0" hangingPunct="1">
-        <a:defRPr sz="1800" kern="1200">
+      <a:lvl9pPr marL="3657493" algn="l" defTabSz="914372" rtl="0" eaLnBrk="1" latinLnBrk="0" hangingPunct="1">
+        <a:defRPr sz="1801" kern="1200">
           <a:solidFill>
             <a:schemeClr val="tx1"/>
           </a:solidFill>
@@ -3337,8 +3338,8 @@
         </p:nvSpPr>
         <p:spPr>
           <a:xfrm>
-            <a:off x="4602771" y="2227547"/>
-            <a:ext cx="1981200" cy="1041446"/>
+            <a:off x="4602772" y="2227549"/>
+            <a:ext cx="1981200" cy="1041445"/>
           </a:xfrm>
           <a:prstGeom prst="roundRect">
             <a:avLst/>
@@ -3359,12 +3360,17 @@
           </a:fontRef>
         </p:style>
         <p:txBody>
-          <a:bodyPr rtlCol="0" anchor="ctr"/>
+          <a:bodyPr rot="0" spcFirstLastPara="0" vertOverflow="overflow" horzOverflow="overflow" vert="horz" wrap="square" lIns="91440" tIns="45721" rIns="91440" bIns="45721" numCol="1" spcCol="0" rtlCol="0" fromWordArt="0" anchor="ctr" anchorCtr="0" forceAA="0" compatLnSpc="1">
+            <a:prstTxWarp prst="textNoShape">
+              <a:avLst/>
+            </a:prstTxWarp>
+            <a:noAutofit/>
+          </a:bodyPr>
           <a:lstStyle/>
           <a:p>
             <a:pPr algn="ctr"/>
             <a:r>
-              <a:rPr lang="en-US" sz="1400" dirty="0">
+              <a:rPr lang="en-US" sz="1401" dirty="0">
                 <a:latin typeface="Open Sans" panose="020B0606030504020204" pitchFamily="34" charset="0"/>
                 <a:ea typeface="Open Sans" panose="020B0606030504020204" pitchFamily="34" charset="0"/>
                 <a:cs typeface="Open Sans" panose="020B0606030504020204" pitchFamily="34" charset="0"/>
@@ -3388,7 +3394,7 @@
         </p:nvSpPr>
         <p:spPr>
           <a:xfrm>
-            <a:off x="787650" y="2249481"/>
+            <a:off x="787651" y="2249482"/>
             <a:ext cx="1981200" cy="597877"/>
           </a:xfrm>
           <a:prstGeom prst="roundRect">
@@ -3410,12 +3416,17 @@
           </a:fontRef>
         </p:style>
         <p:txBody>
-          <a:bodyPr rtlCol="0" anchor="ctr"/>
+          <a:bodyPr rot="0" spcFirstLastPara="0" vertOverflow="overflow" horzOverflow="overflow" vert="horz" wrap="square" lIns="91440" tIns="45721" rIns="91440" bIns="45721" numCol="1" spcCol="0" rtlCol="0" fromWordArt="0" anchor="ctr" anchorCtr="0" forceAA="0" compatLnSpc="1">
+            <a:prstTxWarp prst="textNoShape">
+              <a:avLst/>
+            </a:prstTxWarp>
+            <a:noAutofit/>
+          </a:bodyPr>
           <a:lstStyle/>
           <a:p>
             <a:pPr algn="ctr"/>
             <a:r>
-              <a:rPr lang="en-US" sz="1400" dirty="0">
+              <a:rPr lang="en-US" sz="1401" dirty="0">
                 <a:latin typeface="Open Sans" panose="020B0606030504020204" pitchFamily="34" charset="0"/>
                 <a:ea typeface="Open Sans" panose="020B0606030504020204" pitchFamily="34" charset="0"/>
                 <a:cs typeface="Open Sans" panose="020B0606030504020204" pitchFamily="34" charset="0"/>
@@ -3439,7 +3450,7 @@
         </p:nvSpPr>
         <p:spPr>
           <a:xfrm>
-            <a:off x="8417892" y="2249481"/>
+            <a:off x="8417892" y="2249482"/>
             <a:ext cx="1981200" cy="597877"/>
           </a:xfrm>
           <a:prstGeom prst="roundRect">
@@ -3461,19 +3472,24 @@
           </a:fontRef>
         </p:style>
         <p:txBody>
-          <a:bodyPr rtlCol="0" anchor="ctr"/>
+          <a:bodyPr rot="0" spcFirstLastPara="0" vertOverflow="overflow" horzOverflow="overflow" vert="horz" wrap="square" lIns="91440" tIns="45721" rIns="91440" bIns="45721" numCol="1" spcCol="0" rtlCol="0" fromWordArt="0" anchor="ctr" anchorCtr="0" forceAA="0" compatLnSpc="1">
+            <a:prstTxWarp prst="textNoShape">
+              <a:avLst/>
+            </a:prstTxWarp>
+            <a:noAutofit/>
+          </a:bodyPr>
           <a:lstStyle/>
           <a:p>
             <a:pPr algn="ctr"/>
             <a:r>
-              <a:rPr lang="en-US" sz="1400" dirty="0" err="1">
+              <a:rPr lang="en-US" sz="1401" dirty="0" err="1">
                 <a:latin typeface="Open Sans" panose="020B0606030504020204" pitchFamily="34" charset="0"/>
                 <a:ea typeface="Open Sans" panose="020B0606030504020204" pitchFamily="34" charset="0"/>
                 <a:cs typeface="Open Sans" panose="020B0606030504020204" pitchFamily="34" charset="0"/>
               </a:rPr>
               <a:t>columnsToReserves</a:t>
             </a:r>
-            <a:endParaRPr lang="en-US" sz="1400" dirty="0">
+            <a:endParaRPr lang="en-US" sz="1401" dirty="0">
               <a:latin typeface="Open Sans" panose="020B0606030504020204" pitchFamily="34" charset="0"/>
               <a:ea typeface="Open Sans" panose="020B0606030504020204" pitchFamily="34" charset="0"/>
               <a:cs typeface="Open Sans" panose="020B0606030504020204" pitchFamily="34" charset="0"/>
@@ -3495,7 +3511,7 @@
         </p:nvSpPr>
         <p:spPr>
           <a:xfrm>
-            <a:off x="4602771" y="263768"/>
+            <a:off x="4602772" y="263770"/>
             <a:ext cx="1981200" cy="597877"/>
           </a:xfrm>
           <a:prstGeom prst="roundRect">
@@ -3517,19 +3533,24 @@
           </a:fontRef>
         </p:style>
         <p:txBody>
-          <a:bodyPr rtlCol="0" anchor="ctr"/>
+          <a:bodyPr rot="0" spcFirstLastPara="0" vertOverflow="overflow" horzOverflow="overflow" vert="horz" wrap="square" lIns="91440" tIns="45721" rIns="91440" bIns="45721" numCol="1" spcCol="0" rtlCol="0" fromWordArt="0" anchor="ctr" anchorCtr="0" forceAA="0" compatLnSpc="1">
+            <a:prstTxWarp prst="textNoShape">
+              <a:avLst/>
+            </a:prstTxWarp>
+            <a:noAutofit/>
+          </a:bodyPr>
           <a:lstStyle/>
           <a:p>
             <a:pPr algn="ctr"/>
             <a:r>
-              <a:rPr lang="en-US" sz="1400" dirty="0" err="1">
+              <a:rPr lang="en-US" sz="1401" dirty="0" err="1">
                 <a:latin typeface="Open Sans" panose="020B0606030504020204" pitchFamily="34" charset="0"/>
                 <a:ea typeface="Open Sans" panose="020B0606030504020204" pitchFamily="34" charset="0"/>
                 <a:cs typeface="Open Sans" panose="020B0606030504020204" pitchFamily="34" charset="0"/>
               </a:rPr>
               <a:t>columnSwitcher</a:t>
             </a:r>
-            <a:endParaRPr lang="en-US" sz="1400" dirty="0">
+            <a:endParaRPr lang="en-US" sz="1401" dirty="0">
               <a:latin typeface="Open Sans" panose="020B0606030504020204" pitchFamily="34" charset="0"/>
               <a:ea typeface="Open Sans" panose="020B0606030504020204" pitchFamily="34" charset="0"/>
               <a:cs typeface="Open Sans" panose="020B0606030504020204" pitchFamily="34" charset="0"/>
@@ -3553,8 +3574,8 @@
         </p:nvCxnSpPr>
         <p:spPr>
           <a:xfrm flipH="1" flipV="1">
-            <a:off x="2768850" y="2847358"/>
-            <a:ext cx="1833922" cy="229158"/>
+            <a:off x="2768851" y="2847360"/>
+            <a:ext cx="1833922" cy="229157"/>
           </a:xfrm>
           <a:prstGeom prst="straightConnector1">
             <a:avLst/>
@@ -3597,8 +3618,8 @@
         </p:nvCxnSpPr>
         <p:spPr>
           <a:xfrm flipH="1">
-            <a:off x="2768850" y="2249481"/>
-            <a:ext cx="1871935" cy="166264"/>
+            <a:off x="2768853" y="2249480"/>
+            <a:ext cx="1871934" cy="166265"/>
           </a:xfrm>
           <a:prstGeom prst="straightConnector1">
             <a:avLst/>
@@ -3641,7 +3662,7 @@
         </p:nvCxnSpPr>
         <p:spPr>
           <a:xfrm flipH="1">
-            <a:off x="2784541" y="2618780"/>
+            <a:off x="2784542" y="2618780"/>
             <a:ext cx="1818229" cy="0"/>
           </a:xfrm>
           <a:prstGeom prst="straightConnector1">
@@ -3684,8 +3705,8 @@
         </p:nvSpPr>
         <p:spPr>
           <a:xfrm>
-            <a:off x="3180667" y="2532530"/>
-            <a:ext cx="1048300" cy="307777"/>
+            <a:off x="3180667" y="2532531"/>
+            <a:ext cx="1048300" cy="307905"/>
           </a:xfrm>
           <a:prstGeom prst="rect">
             <a:avLst/>
@@ -3701,7 +3722,7 @@
           <a:lstStyle/>
           <a:p>
             <a:r>
-              <a:rPr lang="en-US" sz="1400" dirty="0">
+              <a:rPr lang="en-US" sz="1401" dirty="0">
                 <a:latin typeface="Open Sans" panose="020B0606030504020204" pitchFamily="34" charset="0"/>
                 <a:ea typeface="Open Sans" panose="020B0606030504020204" pitchFamily="34" charset="0"/>
                 <a:cs typeface="Open Sans" panose="020B0606030504020204" pitchFamily="34" charset="0"/>
@@ -3725,8 +3746,8 @@
         </p:nvSpPr>
         <p:spPr>
           <a:xfrm>
-            <a:off x="3219978" y="2861093"/>
-            <a:ext cx="931665" cy="307777"/>
+            <a:off x="3219980" y="2861093"/>
+            <a:ext cx="931665" cy="307905"/>
           </a:xfrm>
           <a:prstGeom prst="rect">
             <a:avLst/>
@@ -3742,7 +3763,7 @@
           <a:lstStyle/>
           <a:p>
             <a:r>
-              <a:rPr lang="en-US" sz="1400" dirty="0">
+              <a:rPr lang="en-US" sz="1401" dirty="0">
                 <a:latin typeface="Open Sans" panose="020B0606030504020204" pitchFamily="34" charset="0"/>
                 <a:ea typeface="Open Sans" panose="020B0606030504020204" pitchFamily="34" charset="0"/>
                 <a:cs typeface="Open Sans" panose="020B0606030504020204" pitchFamily="34" charset="0"/>
@@ -3767,7 +3788,7 @@
         <p:spPr>
           <a:xfrm>
             <a:off x="3162720" y="2162835"/>
-            <a:ext cx="929678" cy="307777"/>
+            <a:ext cx="929678" cy="307905"/>
           </a:xfrm>
           <a:prstGeom prst="rect">
             <a:avLst/>
@@ -3783,7 +3804,7 @@
           <a:lstStyle/>
           <a:p>
             <a:r>
-              <a:rPr lang="en-US" sz="1400" dirty="0">
+              <a:rPr lang="en-US" sz="1401" dirty="0">
                 <a:latin typeface="Open Sans" panose="020B0606030504020204" pitchFamily="34" charset="0"/>
                 <a:ea typeface="Open Sans" panose="020B0606030504020204" pitchFamily="34" charset="0"/>
                 <a:cs typeface="Open Sans" panose="020B0606030504020204" pitchFamily="34" charset="0"/>
@@ -3809,7 +3830,7 @@
         </p:nvCxnSpPr>
         <p:spPr>
           <a:xfrm flipV="1">
-            <a:off x="4884127" y="861645"/>
+            <a:off x="4884126" y="861645"/>
             <a:ext cx="0" cy="1365902"/>
           </a:xfrm>
           <a:prstGeom prst="straightConnector1">
@@ -3853,7 +3874,7 @@
         </p:nvCxnSpPr>
         <p:spPr>
           <a:xfrm flipV="1">
-            <a:off x="6185389" y="861645"/>
+            <a:off x="6185388" y="861645"/>
             <a:ext cx="0" cy="1365902"/>
           </a:xfrm>
           <a:prstGeom prst="straightConnector1">
@@ -3897,8 +3918,8 @@
         </p:nvCxnSpPr>
         <p:spPr>
           <a:xfrm>
-            <a:off x="5504295" y="861645"/>
-            <a:ext cx="1" cy="1358713"/>
+            <a:off x="5504298" y="861647"/>
+            <a:ext cx="2" cy="1358713"/>
           </a:xfrm>
           <a:prstGeom prst="straightConnector1">
             <a:avLst/>
@@ -3940,8 +3961,8 @@
         </p:nvSpPr>
         <p:spPr>
           <a:xfrm>
-            <a:off x="4419288" y="1396233"/>
-            <a:ext cx="929678" cy="307777"/>
+            <a:off x="4419289" y="1396235"/>
+            <a:ext cx="929678" cy="307905"/>
           </a:xfrm>
           <a:prstGeom prst="rect">
             <a:avLst/>
@@ -3957,7 +3978,7 @@
           <a:lstStyle/>
           <a:p>
             <a:r>
-              <a:rPr lang="en-US" sz="1400" dirty="0">
+              <a:rPr lang="en-US" sz="1401" dirty="0">
                 <a:latin typeface="Open Sans" panose="020B0606030504020204" pitchFamily="34" charset="0"/>
                 <a:ea typeface="Open Sans" panose="020B0606030504020204" pitchFamily="34" charset="0"/>
                 <a:cs typeface="Open Sans" panose="020B0606030504020204" pitchFamily="34" charset="0"/>
@@ -3981,8 +4002,8 @@
         </p:nvSpPr>
         <p:spPr>
           <a:xfrm>
-            <a:off x="4997209" y="1658001"/>
-            <a:ext cx="1048300" cy="307777"/>
+            <a:off x="4997209" y="1658002"/>
+            <a:ext cx="1048300" cy="307905"/>
           </a:xfrm>
           <a:prstGeom prst="rect">
             <a:avLst/>
@@ -3998,7 +4019,7 @@
           <a:lstStyle/>
           <a:p>
             <a:r>
-              <a:rPr lang="en-US" sz="1400" dirty="0">
+              <a:rPr lang="en-US" sz="1401" dirty="0">
                 <a:latin typeface="Open Sans" panose="020B0606030504020204" pitchFamily="34" charset="0"/>
                 <a:ea typeface="Open Sans" panose="020B0606030504020204" pitchFamily="34" charset="0"/>
                 <a:cs typeface="Open Sans" panose="020B0606030504020204" pitchFamily="34" charset="0"/>
@@ -4022,8 +4043,8 @@
         </p:nvSpPr>
         <p:spPr>
           <a:xfrm>
-            <a:off x="5820243" y="1305633"/>
-            <a:ext cx="925253" cy="307777"/>
+            <a:off x="5820245" y="1305634"/>
+            <a:ext cx="925253" cy="307905"/>
           </a:xfrm>
           <a:prstGeom prst="rect">
             <a:avLst/>
@@ -4039,7 +4060,7 @@
           <a:lstStyle/>
           <a:p>
             <a:r>
-              <a:rPr lang="en-US" sz="1400" dirty="0">
+              <a:rPr lang="en-US" sz="1401" dirty="0">
                 <a:latin typeface="Open Sans" panose="020B0606030504020204" pitchFamily="34" charset="0"/>
                 <a:ea typeface="Open Sans" panose="020B0606030504020204" pitchFamily="34" charset="0"/>
                 <a:cs typeface="Open Sans" panose="020B0606030504020204" pitchFamily="34" charset="0"/>
@@ -4065,8 +4086,8 @@
         </p:nvCxnSpPr>
         <p:spPr>
           <a:xfrm flipV="1">
-            <a:off x="6583971" y="2840307"/>
-            <a:ext cx="1938706" cy="328563"/>
+            <a:off x="6583971" y="2840309"/>
+            <a:ext cx="1938706" cy="328564"/>
           </a:xfrm>
           <a:prstGeom prst="straightConnector1">
             <a:avLst/>
@@ -4109,7 +4130,7 @@
         </p:nvCxnSpPr>
         <p:spPr>
           <a:xfrm flipH="1">
-            <a:off x="6583971" y="2618780"/>
+            <a:off x="6583972" y="2618780"/>
             <a:ext cx="1818229" cy="0"/>
           </a:xfrm>
           <a:prstGeom prst="straightConnector1">
@@ -4154,8 +4175,8 @@
         </p:nvCxnSpPr>
         <p:spPr>
           <a:xfrm>
-            <a:off x="6517298" y="2262522"/>
-            <a:ext cx="1900594" cy="106435"/>
+            <a:off x="6517298" y="2262523"/>
+            <a:ext cx="1900594" cy="106436"/>
           </a:xfrm>
           <a:prstGeom prst="straightConnector1">
             <a:avLst/>
@@ -4196,8 +4217,8 @@
         </p:nvSpPr>
         <p:spPr>
           <a:xfrm>
-            <a:off x="6943445" y="2440493"/>
-            <a:ext cx="1048300" cy="307777"/>
+            <a:off x="6943446" y="2440494"/>
+            <a:ext cx="1048300" cy="307905"/>
           </a:xfrm>
           <a:prstGeom prst="rect">
             <a:avLst/>
@@ -4213,7 +4234,7 @@
           <a:lstStyle/>
           <a:p>
             <a:r>
-              <a:rPr lang="en-US" sz="1400" dirty="0">
+              <a:rPr lang="en-US" sz="1401" dirty="0">
                 <a:latin typeface="Open Sans" panose="020B0606030504020204" pitchFamily="34" charset="0"/>
                 <a:ea typeface="Open Sans" panose="020B0606030504020204" pitchFamily="34" charset="0"/>
                 <a:cs typeface="Open Sans" panose="020B0606030504020204" pitchFamily="34" charset="0"/>
@@ -4237,8 +4258,8 @@
         </p:nvSpPr>
         <p:spPr>
           <a:xfrm>
-            <a:off x="6995162" y="2057777"/>
-            <a:ext cx="929678" cy="307777"/>
+            <a:off x="6995163" y="2057779"/>
+            <a:ext cx="929678" cy="307905"/>
           </a:xfrm>
           <a:prstGeom prst="rect">
             <a:avLst/>
@@ -4254,7 +4275,7 @@
           <a:lstStyle/>
           <a:p>
             <a:r>
-              <a:rPr lang="en-US" sz="1400" dirty="0">
+              <a:rPr lang="en-US" sz="1401" dirty="0">
                 <a:latin typeface="Open Sans" panose="020B0606030504020204" pitchFamily="34" charset="0"/>
                 <a:ea typeface="Open Sans" panose="020B0606030504020204" pitchFamily="34" charset="0"/>
                 <a:cs typeface="Open Sans" panose="020B0606030504020204" pitchFamily="34" charset="0"/>
@@ -4278,8 +4299,8 @@
         </p:nvSpPr>
         <p:spPr>
           <a:xfrm>
-            <a:off x="6943445" y="2922627"/>
-            <a:ext cx="925253" cy="307777"/>
+            <a:off x="6943446" y="2922627"/>
+            <a:ext cx="925253" cy="307905"/>
           </a:xfrm>
           <a:prstGeom prst="rect">
             <a:avLst/>
@@ -4295,7 +4316,7 @@
           <a:lstStyle/>
           <a:p>
             <a:r>
-              <a:rPr lang="en-US" sz="1400" dirty="0">
+              <a:rPr lang="en-US" sz="1401" dirty="0">
                 <a:latin typeface="Open Sans" panose="020B0606030504020204" pitchFamily="34" charset="0"/>
                 <a:ea typeface="Open Sans" panose="020B0606030504020204" pitchFamily="34" charset="0"/>
                 <a:cs typeface="Open Sans" panose="020B0606030504020204" pitchFamily="34" charset="0"/>
@@ -4319,7 +4340,7 @@
         </p:nvSpPr>
         <p:spPr>
           <a:xfrm>
-            <a:off x="3403042" y="4366845"/>
+            <a:off x="3403043" y="4366846"/>
             <a:ext cx="1981200" cy="597877"/>
           </a:xfrm>
           <a:prstGeom prst="roundRect">
@@ -4341,19 +4362,24 @@
           </a:fontRef>
         </p:style>
         <p:txBody>
-          <a:bodyPr rtlCol="0" anchor="ctr"/>
+          <a:bodyPr rot="0" spcFirstLastPara="0" vertOverflow="overflow" horzOverflow="overflow" vert="horz" wrap="square" lIns="91440" tIns="45721" rIns="91440" bIns="45721" numCol="1" spcCol="0" rtlCol="0" fromWordArt="0" anchor="ctr" anchorCtr="0" forceAA="0" compatLnSpc="1">
+            <a:prstTxWarp prst="textNoShape">
+              <a:avLst/>
+            </a:prstTxWarp>
+            <a:noAutofit/>
+          </a:bodyPr>
           <a:lstStyle/>
           <a:p>
             <a:pPr algn="ctr"/>
             <a:r>
-              <a:rPr lang="en-US" sz="1400" dirty="0" err="1">
+              <a:rPr lang="en-US" sz="1401" dirty="0" err="1">
                 <a:latin typeface="Open Sans" panose="020B0606030504020204" pitchFamily="34" charset="0"/>
                 <a:ea typeface="Open Sans" panose="020B0606030504020204" pitchFamily="34" charset="0"/>
                 <a:cs typeface="Open Sans" panose="020B0606030504020204" pitchFamily="34" charset="0"/>
               </a:rPr>
               <a:t>addToColumn</a:t>
             </a:r>
-            <a:endParaRPr lang="en-US" sz="1400" dirty="0">
+            <a:endParaRPr lang="en-US" sz="1401" dirty="0">
               <a:latin typeface="Open Sans" panose="020B0606030504020204" pitchFamily="34" charset="0"/>
               <a:ea typeface="Open Sans" panose="020B0606030504020204" pitchFamily="34" charset="0"/>
               <a:cs typeface="Open Sans" panose="020B0606030504020204" pitchFamily="34" charset="0"/>
@@ -4375,7 +4401,7 @@
         </p:nvSpPr>
         <p:spPr>
           <a:xfrm>
-            <a:off x="5754896" y="4366845"/>
+            <a:off x="5754897" y="4366847"/>
             <a:ext cx="1981200" cy="597877"/>
           </a:xfrm>
           <a:prstGeom prst="roundRect">
@@ -4397,19 +4423,24 @@
           </a:fontRef>
         </p:style>
         <p:txBody>
-          <a:bodyPr rtlCol="0" anchor="ctr"/>
+          <a:bodyPr rot="0" spcFirstLastPara="0" vertOverflow="overflow" horzOverflow="overflow" vert="horz" wrap="square" lIns="91440" tIns="45721" rIns="91440" bIns="45721" numCol="1" spcCol="0" rtlCol="0" fromWordArt="0" anchor="ctr" anchorCtr="0" forceAA="0" compatLnSpc="1">
+            <a:prstTxWarp prst="textNoShape">
+              <a:avLst/>
+            </a:prstTxWarp>
+            <a:noAutofit/>
+          </a:bodyPr>
           <a:lstStyle/>
           <a:p>
             <a:pPr algn="ctr"/>
             <a:r>
-              <a:rPr lang="en-US" sz="1400" dirty="0" err="1">
+              <a:rPr lang="en-US" sz="1401" dirty="0" err="1">
                 <a:latin typeface="Open Sans" panose="020B0606030504020204" pitchFamily="34" charset="0"/>
                 <a:ea typeface="Open Sans" panose="020B0606030504020204" pitchFamily="34" charset="0"/>
                 <a:cs typeface="Open Sans" panose="020B0606030504020204" pitchFamily="34" charset="0"/>
               </a:rPr>
               <a:t>removeFromColumn</a:t>
             </a:r>
-            <a:endParaRPr lang="en-US" sz="1400" dirty="0">
+            <a:endParaRPr lang="en-US" sz="1401" dirty="0">
               <a:latin typeface="Open Sans" panose="020B0606030504020204" pitchFamily="34" charset="0"/>
               <a:ea typeface="Open Sans" panose="020B0606030504020204" pitchFamily="34" charset="0"/>
               <a:cs typeface="Open Sans" panose="020B0606030504020204" pitchFamily="34" charset="0"/>
@@ -4433,8 +4464,8 @@
         </p:nvCxnSpPr>
         <p:spPr>
           <a:xfrm flipH="1">
-            <a:off x="4942431" y="3268993"/>
-            <a:ext cx="452991" cy="1097852"/>
+            <a:off x="4942435" y="3268993"/>
+            <a:ext cx="452990" cy="1097852"/>
           </a:xfrm>
           <a:prstGeom prst="straightConnector1">
             <a:avLst/>
@@ -4477,7 +4508,7 @@
         </p:nvCxnSpPr>
         <p:spPr>
           <a:xfrm>
-            <a:off x="5778409" y="3268993"/>
+            <a:off x="5778411" y="3268993"/>
             <a:ext cx="267100" cy="1097852"/>
           </a:xfrm>
           <a:prstGeom prst="straightConnector1">
@@ -4521,8 +4552,8 @@
         </p:nvCxnSpPr>
         <p:spPr>
           <a:xfrm flipH="1">
-            <a:off x="3997569" y="3273527"/>
-            <a:ext cx="886559" cy="1093318"/>
+            <a:off x="3997573" y="3273529"/>
+            <a:ext cx="886558" cy="1093317"/>
           </a:xfrm>
           <a:prstGeom prst="straightConnector1">
             <a:avLst/>
@@ -4566,8 +4597,8 @@
         </p:nvCxnSpPr>
         <p:spPr>
           <a:xfrm>
-            <a:off x="6282869" y="3268993"/>
-            <a:ext cx="811475" cy="1097852"/>
+            <a:off x="6282872" y="3268993"/>
+            <a:ext cx="811476" cy="1097852"/>
           </a:xfrm>
           <a:prstGeom prst="straightConnector1">
             <a:avLst/>
@@ -4609,8 +4640,8 @@
         </p:nvSpPr>
         <p:spPr>
           <a:xfrm>
-            <a:off x="6282869" y="3694256"/>
-            <a:ext cx="925253" cy="307777"/>
+            <a:off x="6282870" y="3694258"/>
+            <a:ext cx="925253" cy="307905"/>
           </a:xfrm>
           <a:prstGeom prst="rect">
             <a:avLst/>
@@ -4626,7 +4657,7 @@
           <a:lstStyle/>
           <a:p>
             <a:r>
-              <a:rPr lang="en-US" sz="1400" dirty="0">
+              <a:rPr lang="en-US" sz="1401" dirty="0">
                 <a:latin typeface="Open Sans" panose="020B0606030504020204" pitchFamily="34" charset="0"/>
                 <a:ea typeface="Open Sans" panose="020B0606030504020204" pitchFamily="34" charset="0"/>
                 <a:cs typeface="Open Sans" panose="020B0606030504020204" pitchFamily="34" charset="0"/>
@@ -4650,8 +4681,8 @@
         </p:nvSpPr>
         <p:spPr>
           <a:xfrm>
-            <a:off x="3779818" y="3768968"/>
-            <a:ext cx="925253" cy="307777"/>
+            <a:off x="3779818" y="3768971"/>
+            <a:ext cx="925253" cy="307905"/>
           </a:xfrm>
           <a:prstGeom prst="rect">
             <a:avLst/>
@@ -4667,7 +4698,7 @@
           <a:lstStyle/>
           <a:p>
             <a:r>
-              <a:rPr lang="en-US" sz="1400" dirty="0">
+              <a:rPr lang="en-US" sz="1401" dirty="0">
                 <a:latin typeface="Open Sans" panose="020B0606030504020204" pitchFamily="34" charset="0"/>
                 <a:ea typeface="Open Sans" panose="020B0606030504020204" pitchFamily="34" charset="0"/>
                 <a:cs typeface="Open Sans" panose="020B0606030504020204" pitchFamily="34" charset="0"/>
@@ -4691,8 +4722,8 @@
         </p:nvSpPr>
         <p:spPr>
           <a:xfrm>
-            <a:off x="5606769" y="3530762"/>
-            <a:ext cx="578620" cy="307777"/>
+            <a:off x="5606770" y="3530764"/>
+            <a:ext cx="578620" cy="307905"/>
           </a:xfrm>
           <a:prstGeom prst="rect">
             <a:avLst/>
@@ -4708,7 +4739,7 @@
           <a:lstStyle/>
           <a:p>
             <a:r>
-              <a:rPr lang="en-US" sz="1400" dirty="0">
+              <a:rPr lang="en-US" sz="1401" dirty="0">
                 <a:latin typeface="Open Sans" panose="020B0606030504020204" pitchFamily="34" charset="0"/>
                 <a:ea typeface="Open Sans" panose="020B0606030504020204" pitchFamily="34" charset="0"/>
                 <a:cs typeface="Open Sans" panose="020B0606030504020204" pitchFamily="34" charset="0"/>
@@ -4732,8 +4763,8 @@
         </p:nvSpPr>
         <p:spPr>
           <a:xfrm>
-            <a:off x="4925675" y="3694256"/>
-            <a:ext cx="578620" cy="307777"/>
+            <a:off x="4925675" y="3694258"/>
+            <a:ext cx="578620" cy="307905"/>
           </a:xfrm>
           <a:prstGeom prst="rect">
             <a:avLst/>
@@ -4749,7 +4780,7 @@
           <a:lstStyle/>
           <a:p>
             <a:r>
-              <a:rPr lang="en-US" sz="1400" dirty="0">
+              <a:rPr lang="en-US" sz="1401" dirty="0">
                 <a:latin typeface="Open Sans" panose="020B0606030504020204" pitchFamily="34" charset="0"/>
                 <a:ea typeface="Open Sans" panose="020B0606030504020204" pitchFamily="34" charset="0"/>
                 <a:cs typeface="Open Sans" panose="020B0606030504020204" pitchFamily="34" charset="0"/>
@@ -4775,8 +4806,8 @@
         </p:nvCxnSpPr>
         <p:spPr>
           <a:xfrm flipV="1">
-            <a:off x="2566481" y="3147223"/>
-            <a:ext cx="2077163" cy="1022611"/>
+            <a:off x="2566482" y="3147225"/>
+            <a:ext cx="2077163" cy="1022612"/>
           </a:xfrm>
           <a:prstGeom prst="straightConnector1">
             <a:avLst/>
@@ -4817,8 +4848,8 @@
         </p:nvSpPr>
         <p:spPr>
           <a:xfrm>
-            <a:off x="2663071" y="3604958"/>
-            <a:ext cx="929678" cy="307777"/>
+            <a:off x="2663070" y="3604958"/>
+            <a:ext cx="929678" cy="307905"/>
           </a:xfrm>
           <a:prstGeom prst="rect">
             <a:avLst/>
@@ -4834,7 +4865,7 @@
           <a:lstStyle/>
           <a:p>
             <a:r>
-              <a:rPr lang="en-US" sz="1400" dirty="0">
+              <a:rPr lang="en-US" sz="1401" dirty="0">
                 <a:latin typeface="Open Sans" panose="020B0606030504020204" pitchFamily="34" charset="0"/>
                 <a:ea typeface="Open Sans" panose="020B0606030504020204" pitchFamily="34" charset="0"/>
                 <a:cs typeface="Open Sans" panose="020B0606030504020204" pitchFamily="34" charset="0"/>
@@ -4860,8 +4891,8 @@
         </p:nvCxnSpPr>
         <p:spPr>
           <a:xfrm>
-            <a:off x="6517298" y="3230404"/>
-            <a:ext cx="2298456" cy="1074907"/>
+            <a:off x="6517298" y="3230407"/>
+            <a:ext cx="2298457" cy="1074907"/>
           </a:xfrm>
           <a:prstGeom prst="straightConnector1">
             <a:avLst/>
@@ -4902,8 +4933,8 @@
         </p:nvSpPr>
         <p:spPr>
           <a:xfrm>
-            <a:off x="7370882" y="3593029"/>
-            <a:ext cx="1048300" cy="307777"/>
+            <a:off x="7370884" y="3593031"/>
+            <a:ext cx="1048300" cy="307905"/>
           </a:xfrm>
           <a:prstGeom prst="rect">
             <a:avLst/>
@@ -4919,7 +4950,7 @@
           <a:lstStyle/>
           <a:p>
             <a:r>
-              <a:rPr lang="en-US" sz="1400" dirty="0">
+              <a:rPr lang="en-US" sz="1401" dirty="0">
                 <a:latin typeface="Open Sans" panose="020B0606030504020204" pitchFamily="34" charset="0"/>
                 <a:ea typeface="Open Sans" panose="020B0606030504020204" pitchFamily="34" charset="0"/>
                 <a:cs typeface="Open Sans" panose="020B0606030504020204" pitchFamily="34" charset="0"/>
@@ -4973,8 +5004,8 @@
         </p:nvSpPr>
         <p:spPr>
           <a:xfrm>
-            <a:off x="4778618" y="3399854"/>
-            <a:ext cx="1981200" cy="1041446"/>
+            <a:off x="4778620" y="3399856"/>
+            <a:ext cx="1981200" cy="1041445"/>
           </a:xfrm>
           <a:prstGeom prst="roundRect">
             <a:avLst/>
@@ -4995,19 +5026,24 @@
           </a:fontRef>
         </p:style>
         <p:txBody>
-          <a:bodyPr rtlCol="0" anchor="ctr"/>
+          <a:bodyPr rot="0" spcFirstLastPara="0" vertOverflow="overflow" horzOverflow="overflow" vert="horz" wrap="square" lIns="91440" tIns="45721" rIns="91440" bIns="45721" numCol="1" spcCol="0" rtlCol="0" fromWordArt="0" anchor="ctr" anchorCtr="0" forceAA="0" compatLnSpc="1">
+            <a:prstTxWarp prst="textNoShape">
+              <a:avLst/>
+            </a:prstTxWarp>
+            <a:noAutofit/>
+          </a:bodyPr>
           <a:lstStyle/>
           <a:p>
             <a:pPr algn="ctr"/>
             <a:r>
-              <a:rPr lang="en-US" sz="1400" dirty="0" err="1">
+              <a:rPr lang="en-US" sz="1401" dirty="0" err="1">
                 <a:latin typeface="Open Sans" panose="020B0606030504020204" pitchFamily="34" charset="0"/>
                 <a:ea typeface="Open Sans" panose="020B0606030504020204" pitchFamily="34" charset="0"/>
                 <a:cs typeface="Open Sans" panose="020B0606030504020204" pitchFamily="34" charset="0"/>
               </a:rPr>
               <a:t>chooseMove</a:t>
             </a:r>
-            <a:endParaRPr lang="en-US" sz="1400" dirty="0">
+            <a:endParaRPr lang="en-US" sz="1401" dirty="0">
               <a:latin typeface="Open Sans" panose="020B0606030504020204" pitchFamily="34" charset="0"/>
               <a:ea typeface="Open Sans" panose="020B0606030504020204" pitchFamily="34" charset="0"/>
               <a:cs typeface="Open Sans" panose="020B0606030504020204" pitchFamily="34" charset="0"/>
@@ -5029,7 +5065,7 @@
         </p:nvSpPr>
         <p:spPr>
           <a:xfrm>
-            <a:off x="4778618" y="1436075"/>
+            <a:off x="4778620" y="1436076"/>
             <a:ext cx="1981200" cy="597877"/>
           </a:xfrm>
           <a:prstGeom prst="roundRect">
@@ -5051,19 +5087,24 @@
           </a:fontRef>
         </p:style>
         <p:txBody>
-          <a:bodyPr rtlCol="0" anchor="ctr"/>
+          <a:bodyPr rot="0" spcFirstLastPara="0" vertOverflow="overflow" horzOverflow="overflow" vert="horz" wrap="square" lIns="91440" tIns="45721" rIns="91440" bIns="45721" numCol="1" spcCol="0" rtlCol="0" fromWordArt="0" anchor="ctr" anchorCtr="0" forceAA="0" compatLnSpc="1">
+            <a:prstTxWarp prst="textNoShape">
+              <a:avLst/>
+            </a:prstTxWarp>
+            <a:noAutofit/>
+          </a:bodyPr>
           <a:lstStyle/>
           <a:p>
             <a:pPr algn="ctr"/>
             <a:r>
-              <a:rPr lang="en-US" sz="1400" dirty="0" err="1">
+              <a:rPr lang="en-US" sz="1401" dirty="0" err="1">
                 <a:latin typeface="Open Sans" panose="020B0606030504020204" pitchFamily="34" charset="0"/>
                 <a:ea typeface="Open Sans" panose="020B0606030504020204" pitchFamily="34" charset="0"/>
                 <a:cs typeface="Open Sans" panose="020B0606030504020204" pitchFamily="34" charset="0"/>
               </a:rPr>
               <a:t>findBestMove</a:t>
             </a:r>
-            <a:endParaRPr lang="en-US" sz="1400" dirty="0">
+            <a:endParaRPr lang="en-US" sz="1401" dirty="0">
               <a:latin typeface="Open Sans" panose="020B0606030504020204" pitchFamily="34" charset="0"/>
               <a:ea typeface="Open Sans" panose="020B0606030504020204" pitchFamily="34" charset="0"/>
               <a:cs typeface="Open Sans" panose="020B0606030504020204" pitchFamily="34" charset="0"/>
@@ -5087,7 +5128,7 @@
         </p:nvCxnSpPr>
         <p:spPr>
           <a:xfrm flipV="1">
-            <a:off x="5059974" y="2033952"/>
+            <a:off x="5059973" y="2033951"/>
             <a:ext cx="0" cy="1365902"/>
           </a:xfrm>
           <a:prstGeom prst="straightConnector1">
@@ -5131,7 +5172,7 @@
         </p:nvCxnSpPr>
         <p:spPr>
           <a:xfrm flipV="1">
-            <a:off x="5857144" y="2030252"/>
+            <a:off x="5857145" y="2030252"/>
             <a:ext cx="0" cy="1365902"/>
           </a:xfrm>
           <a:prstGeom prst="straightConnector1">
@@ -5175,8 +5216,8 @@
         </p:nvCxnSpPr>
         <p:spPr>
           <a:xfrm>
-            <a:off x="5407005" y="2041141"/>
-            <a:ext cx="1" cy="1358713"/>
+            <a:off x="5407007" y="2041142"/>
+            <a:ext cx="2" cy="1358713"/>
           </a:xfrm>
           <a:prstGeom prst="straightConnector1">
             <a:avLst/>
@@ -5218,8 +5259,8 @@
         </p:nvSpPr>
         <p:spPr>
           <a:xfrm>
-            <a:off x="4595135" y="2568540"/>
-            <a:ext cx="929678" cy="307777"/>
+            <a:off x="4595136" y="2568540"/>
+            <a:ext cx="929678" cy="307905"/>
           </a:xfrm>
           <a:prstGeom prst="rect">
             <a:avLst/>
@@ -5235,7 +5276,7 @@
           <a:lstStyle/>
           <a:p>
             <a:r>
-              <a:rPr lang="en-US" sz="1400" dirty="0">
+              <a:rPr lang="en-US" sz="1401" dirty="0">
                 <a:latin typeface="Open Sans" panose="020B0606030504020204" pitchFamily="34" charset="0"/>
                 <a:ea typeface="Open Sans" panose="020B0606030504020204" pitchFamily="34" charset="0"/>
                 <a:cs typeface="Open Sans" panose="020B0606030504020204" pitchFamily="34" charset="0"/>
@@ -5259,8 +5300,8 @@
         </p:nvSpPr>
         <p:spPr>
           <a:xfrm>
-            <a:off x="5032977" y="2830308"/>
-            <a:ext cx="929678" cy="307777"/>
+            <a:off x="5032978" y="2830309"/>
+            <a:ext cx="929678" cy="307905"/>
           </a:xfrm>
           <a:prstGeom prst="rect">
             <a:avLst/>
@@ -5276,7 +5317,7 @@
           <a:lstStyle/>
           <a:p>
             <a:r>
-              <a:rPr lang="en-US" sz="1400" dirty="0">
+              <a:rPr lang="en-US" sz="1401" dirty="0">
                 <a:latin typeface="Open Sans" panose="020B0606030504020204" pitchFamily="34" charset="0"/>
                 <a:ea typeface="Open Sans" panose="020B0606030504020204" pitchFamily="34" charset="0"/>
                 <a:cs typeface="Open Sans" panose="020B0606030504020204" pitchFamily="34" charset="0"/>
@@ -5300,8 +5341,8 @@
         </p:nvSpPr>
         <p:spPr>
           <a:xfrm>
-            <a:off x="5652601" y="2366793"/>
-            <a:ext cx="409086" cy="307777"/>
+            <a:off x="5652601" y="2366795"/>
+            <a:ext cx="409086" cy="307905"/>
           </a:xfrm>
           <a:prstGeom prst="rect">
             <a:avLst/>
@@ -5317,14 +5358,14 @@
           <a:lstStyle/>
           <a:p>
             <a:r>
-              <a:rPr lang="en-US" sz="1400" dirty="0" err="1">
+              <a:rPr lang="en-US" sz="1401" dirty="0" err="1">
                 <a:latin typeface="Open Sans" panose="020B0606030504020204" pitchFamily="34" charset="0"/>
                 <a:ea typeface="Open Sans" panose="020B0606030504020204" pitchFamily="34" charset="0"/>
                 <a:cs typeface="Open Sans" panose="020B0606030504020204" pitchFamily="34" charset="0"/>
               </a:rPr>
               <a:t>Int</a:t>
             </a:r>
-            <a:endParaRPr lang="en-US" sz="1400" dirty="0">
+            <a:endParaRPr lang="en-US" sz="1401" dirty="0">
               <a:latin typeface="Open Sans" panose="020B0606030504020204" pitchFamily="34" charset="0"/>
               <a:ea typeface="Open Sans" panose="020B0606030504020204" pitchFamily="34" charset="0"/>
               <a:cs typeface="Open Sans" panose="020B0606030504020204" pitchFamily="34" charset="0"/>
@@ -5348,7 +5389,7 @@
         </p:nvCxnSpPr>
         <p:spPr>
           <a:xfrm flipV="1">
-            <a:off x="6326067" y="2041141"/>
+            <a:off x="6326068" y="2041141"/>
             <a:ext cx="0" cy="1365902"/>
           </a:xfrm>
           <a:prstGeom prst="straightConnector1">
@@ -5390,8 +5431,8 @@
         </p:nvSpPr>
         <p:spPr>
           <a:xfrm>
-            <a:off x="5934811" y="2676419"/>
-            <a:ext cx="1048300" cy="307777"/>
+            <a:off x="5934811" y="2676421"/>
+            <a:ext cx="1048300" cy="307905"/>
           </a:xfrm>
           <a:prstGeom prst="rect">
             <a:avLst/>
@@ -5407,7 +5448,7 @@
           <a:lstStyle/>
           <a:p>
             <a:r>
-              <a:rPr lang="en-US" sz="1400" dirty="0">
+              <a:rPr lang="en-US" sz="1401" dirty="0">
                 <a:latin typeface="Open Sans" panose="020B0606030504020204" pitchFamily="34" charset="0"/>
                 <a:ea typeface="Open Sans" panose="020B0606030504020204" pitchFamily="34" charset="0"/>
                 <a:cs typeface="Open Sans" panose="020B0606030504020204" pitchFamily="34" charset="0"/>
@@ -5433,8 +5474,8 @@
         </p:nvCxnSpPr>
         <p:spPr>
           <a:xfrm>
-            <a:off x="3329354" y="4169835"/>
-            <a:ext cx="1449264" cy="1"/>
+            <a:off x="3329356" y="4169836"/>
+            <a:ext cx="1449264" cy="2"/>
           </a:xfrm>
           <a:prstGeom prst="straightConnector1">
             <a:avLst/>
@@ -5476,7 +5517,7 @@
         <p:spPr>
           <a:xfrm>
             <a:off x="3589147" y="4015946"/>
-            <a:ext cx="929678" cy="307777"/>
+            <a:ext cx="929678" cy="307905"/>
           </a:xfrm>
           <a:prstGeom prst="rect">
             <a:avLst/>
@@ -5492,7 +5533,7 @@
           <a:lstStyle/>
           <a:p>
             <a:r>
-              <a:rPr lang="en-US" sz="1400" dirty="0">
+              <a:rPr lang="en-US" sz="1401" dirty="0">
                 <a:latin typeface="Open Sans" panose="020B0606030504020204" pitchFamily="34" charset="0"/>
                 <a:ea typeface="Open Sans" panose="020B0606030504020204" pitchFamily="34" charset="0"/>
                 <a:cs typeface="Open Sans" panose="020B0606030504020204" pitchFamily="34" charset="0"/>
@@ -5518,8 +5559,8 @@
         </p:nvCxnSpPr>
         <p:spPr>
           <a:xfrm>
-            <a:off x="6759818" y="4169835"/>
-            <a:ext cx="1449264" cy="1"/>
+            <a:off x="6759820" y="4169836"/>
+            <a:ext cx="1449264" cy="2"/>
           </a:xfrm>
           <a:prstGeom prst="straightConnector1">
             <a:avLst/>
@@ -5560,8 +5601,8 @@
         </p:nvSpPr>
         <p:spPr>
           <a:xfrm>
-            <a:off x="6983111" y="3952261"/>
-            <a:ext cx="929678" cy="523220"/>
+            <a:off x="6983111" y="3952262"/>
+            <a:ext cx="929678" cy="523477"/>
           </a:xfrm>
           <a:prstGeom prst="rect">
             <a:avLst/>
@@ -5578,7 +5619,7 @@
           <a:p>
             <a:pPr algn="ctr"/>
             <a:r>
-              <a:rPr lang="en-US" sz="1400" dirty="0">
+              <a:rPr lang="en-US" sz="1401" dirty="0">
                 <a:latin typeface="Open Sans" panose="020B0606030504020204" pitchFamily="34" charset="0"/>
                 <a:ea typeface="Open Sans" panose="020B0606030504020204" pitchFamily="34" charset="0"/>
                 <a:cs typeface="Open Sans" panose="020B0606030504020204" pitchFamily="34" charset="0"/>
@@ -5632,8 +5673,8 @@
         </p:nvSpPr>
         <p:spPr>
           <a:xfrm>
-            <a:off x="4778618" y="3399854"/>
-            <a:ext cx="1981200" cy="1041446"/>
+            <a:off x="7238237" y="1921312"/>
+            <a:ext cx="1981200" cy="1041445"/>
           </a:xfrm>
           <a:prstGeom prst="roundRect">
             <a:avLst/>
@@ -5654,19 +5695,24 @@
           </a:fontRef>
         </p:style>
         <p:txBody>
-          <a:bodyPr rtlCol="0" anchor="ctr"/>
+          <a:bodyPr rot="0" spcFirstLastPara="0" vertOverflow="overflow" horzOverflow="overflow" vert="horz" wrap="square" lIns="91440" tIns="45721" rIns="91440" bIns="45721" numCol="1" spcCol="0" rtlCol="0" fromWordArt="0" anchor="ctr" anchorCtr="0" forceAA="0" compatLnSpc="1">
+            <a:prstTxWarp prst="textNoShape">
+              <a:avLst/>
+            </a:prstTxWarp>
+            <a:noAutofit/>
+          </a:bodyPr>
           <a:lstStyle/>
           <a:p>
             <a:pPr algn="ctr"/>
             <a:r>
-              <a:rPr lang="en-US" sz="1400" dirty="0" err="1">
+              <a:rPr lang="en-US" sz="1401" dirty="0" err="1">
                 <a:latin typeface="Open Sans" panose="020B0606030504020204" pitchFamily="34" charset="0"/>
                 <a:ea typeface="Open Sans" panose="020B0606030504020204" pitchFamily="34" charset="0"/>
                 <a:cs typeface="Open Sans" panose="020B0606030504020204" pitchFamily="34" charset="0"/>
               </a:rPr>
               <a:t>eOGame</a:t>
             </a:r>
-            <a:endParaRPr lang="en-US" sz="1400" dirty="0">
+            <a:endParaRPr lang="en-US" sz="1401" dirty="0">
               <a:latin typeface="Open Sans" panose="020B0606030504020204" pitchFamily="34" charset="0"/>
               <a:ea typeface="Open Sans" panose="020B0606030504020204" pitchFamily="34" charset="0"/>
               <a:cs typeface="Open Sans" panose="020B0606030504020204" pitchFamily="34" charset="0"/>
@@ -5676,10 +5722,10 @@
       </p:sp>
       <p:sp>
         <p:nvSpPr>
-          <p:cNvPr id="7" name="Rounded Rectangle 6">
-            <a:extLst>
-              <a:ext uri="{FF2B5EF4-FFF2-40B4-BE49-F238E27FC236}">
-                <a16:creationId xmlns:a16="http://schemas.microsoft.com/office/drawing/2014/main" id="{E81FB040-F9E5-AF4F-83C8-05C349DF4F7D}"/>
+          <p:cNvPr id="12" name="Rounded Rectangle 11">
+            <a:extLst>
+              <a:ext uri="{FF2B5EF4-FFF2-40B4-BE49-F238E27FC236}">
+                <a16:creationId xmlns:a16="http://schemas.microsoft.com/office/drawing/2014/main" id="{8BD1FC08-FC68-C448-8000-DF4F7AA48670}"/>
               </a:ext>
             </a:extLst>
           </p:cNvPr>
@@ -5688,8 +5734,8 @@
         </p:nvSpPr>
         <p:spPr>
           <a:xfrm>
-            <a:off x="4778618" y="1436075"/>
-            <a:ext cx="1981200" cy="597877"/>
+            <a:off x="7238237" y="1921312"/>
+            <a:ext cx="1981200" cy="1041445"/>
           </a:xfrm>
           <a:prstGeom prst="roundRect">
             <a:avLst/>
@@ -5710,19 +5756,24 @@
           </a:fontRef>
         </p:style>
         <p:txBody>
-          <a:bodyPr rtlCol="0" anchor="ctr"/>
+          <a:bodyPr rot="0" spcFirstLastPara="0" vertOverflow="overflow" horzOverflow="overflow" vert="horz" wrap="square" lIns="91440" tIns="45721" rIns="91440" bIns="45721" numCol="1" spcCol="0" rtlCol="0" fromWordArt="0" anchor="ctr" anchorCtr="0" forceAA="0" compatLnSpc="1">
+            <a:prstTxWarp prst="textNoShape">
+              <a:avLst/>
+            </a:prstTxWarp>
+            <a:noAutofit/>
+          </a:bodyPr>
           <a:lstStyle/>
           <a:p>
             <a:pPr algn="ctr"/>
             <a:r>
-              <a:rPr lang="en-US" sz="1400" dirty="0" err="1">
+              <a:rPr lang="en-US" sz="1401" dirty="0" err="1">
                 <a:latin typeface="Open Sans" panose="020B0606030504020204" pitchFamily="34" charset="0"/>
                 <a:ea typeface="Open Sans" panose="020B0606030504020204" pitchFamily="34" charset="0"/>
                 <a:cs typeface="Open Sans" panose="020B0606030504020204" pitchFamily="34" charset="0"/>
               </a:rPr>
-              <a:t>findBestMove</a:t>
-            </a:r>
-            <a:endParaRPr lang="en-US" sz="1400" dirty="0">
+              <a:t>eOGame</a:t>
+            </a:r>
+            <a:endParaRPr lang="en-US" sz="1401" dirty="0">
               <a:latin typeface="Open Sans" panose="020B0606030504020204" pitchFamily="34" charset="0"/>
               <a:ea typeface="Open Sans" panose="020B0606030504020204" pitchFamily="34" charset="0"/>
               <a:cs typeface="Open Sans" panose="020B0606030504020204" pitchFamily="34" charset="0"/>
@@ -5730,102 +5781,12 @@
           </a:p>
         </p:txBody>
       </p:sp>
-      <p:cxnSp>
-        <p:nvCxnSpPr>
-          <p:cNvPr id="39" name="Straight Arrow Connector 38">
-            <a:extLst>
-              <a:ext uri="{FF2B5EF4-FFF2-40B4-BE49-F238E27FC236}">
-                <a16:creationId xmlns:a16="http://schemas.microsoft.com/office/drawing/2014/main" id="{08FFF7B0-A31B-4C48-A32E-C05D37D2087D}"/>
-              </a:ext>
-            </a:extLst>
-          </p:cNvPr>
-          <p:cNvCxnSpPr>
-            <a:cxnSpLocks/>
-          </p:cNvCxnSpPr>
-          <p:nvPr/>
-        </p:nvCxnSpPr>
-        <p:spPr>
-          <a:xfrm flipV="1">
-            <a:off x="5857144" y="2030252"/>
-            <a:ext cx="0" cy="1365902"/>
-          </a:xfrm>
-          <a:prstGeom prst="straightConnector1">
-            <a:avLst/>
-          </a:prstGeom>
-          <a:ln w="50800">
-            <a:solidFill>
-              <a:schemeClr val="tx1"/>
-            </a:solidFill>
-            <a:tailEnd type="arrow"/>
-          </a:ln>
-        </p:spPr>
-        <p:style>
-          <a:lnRef idx="1">
-            <a:schemeClr val="accent1"/>
-          </a:lnRef>
-          <a:fillRef idx="0">
-            <a:schemeClr val="accent1"/>
-          </a:fillRef>
-          <a:effectRef idx="0">
-            <a:schemeClr val="accent1"/>
-          </a:effectRef>
-          <a:fontRef idx="minor">
-            <a:schemeClr val="tx1"/>
-          </a:fontRef>
-        </p:style>
-      </p:cxnSp>
-      <p:sp>
-        <p:nvSpPr>
-          <p:cNvPr id="44" name="TextBox 43">
-            <a:extLst>
-              <a:ext uri="{FF2B5EF4-FFF2-40B4-BE49-F238E27FC236}">
-                <a16:creationId xmlns:a16="http://schemas.microsoft.com/office/drawing/2014/main" id="{0F224E1C-248B-C84C-A81B-583151CABE8C}"/>
-              </a:ext>
-            </a:extLst>
-          </p:cNvPr>
-          <p:cNvSpPr txBox="1"/>
-          <p:nvPr/>
-        </p:nvSpPr>
-        <p:spPr>
-          <a:xfrm>
-            <a:off x="5652601" y="2366793"/>
-            <a:ext cx="409086" cy="307777"/>
-          </a:xfrm>
-          <a:prstGeom prst="rect">
-            <a:avLst/>
-          </a:prstGeom>
-          <a:solidFill>
-            <a:schemeClr val="bg1"/>
-          </a:solidFill>
-        </p:spPr>
-        <p:txBody>
-          <a:bodyPr wrap="none" rtlCol="0">
-            <a:spAutoFit/>
-          </a:bodyPr>
-          <a:lstStyle/>
-          <a:p>
-            <a:r>
-              <a:rPr lang="en-US" sz="1400" dirty="0" err="1">
-                <a:latin typeface="Open Sans" panose="020B0606030504020204" pitchFamily="34" charset="0"/>
-                <a:ea typeface="Open Sans" panose="020B0606030504020204" pitchFamily="34" charset="0"/>
-                <a:cs typeface="Open Sans" panose="020B0606030504020204" pitchFamily="34" charset="0"/>
-              </a:rPr>
-              <a:t>Int</a:t>
-            </a:r>
-            <a:endParaRPr lang="en-US" sz="1400" dirty="0">
-              <a:latin typeface="Open Sans" panose="020B0606030504020204" pitchFamily="34" charset="0"/>
-              <a:ea typeface="Open Sans" panose="020B0606030504020204" pitchFamily="34" charset="0"/>
-              <a:cs typeface="Open Sans" panose="020B0606030504020204" pitchFamily="34" charset="0"/>
-            </a:endParaRPr>
-          </a:p>
-        </p:txBody>
-      </p:sp>
-      <p:sp>
-        <p:nvSpPr>
-          <p:cNvPr id="12" name="Rounded Rectangle 11">
-            <a:extLst>
-              <a:ext uri="{FF2B5EF4-FFF2-40B4-BE49-F238E27FC236}">
-                <a16:creationId xmlns:a16="http://schemas.microsoft.com/office/drawing/2014/main" id="{8BD1FC08-FC68-C448-8000-DF4F7AA48670}"/>
+      <p:sp>
+        <p:nvSpPr>
+          <p:cNvPr id="13" name="Rounded Rectangle 12">
+            <a:extLst>
+              <a:ext uri="{FF2B5EF4-FFF2-40B4-BE49-F238E27FC236}">
+                <a16:creationId xmlns:a16="http://schemas.microsoft.com/office/drawing/2014/main" id="{46B70F7C-E342-C543-A311-F42646629065}"/>
               </a:ext>
             </a:extLst>
           </p:cNvPr>
@@ -5834,8 +5795,8 @@
         </p:nvSpPr>
         <p:spPr>
           <a:xfrm>
-            <a:off x="4778618" y="3399854"/>
-            <a:ext cx="1981200" cy="1041446"/>
+            <a:off x="7269126" y="285663"/>
+            <a:ext cx="1981200" cy="597877"/>
           </a:xfrm>
           <a:prstGeom prst="roundRect">
             <a:avLst/>
@@ -5856,19 +5817,24 @@
           </a:fontRef>
         </p:style>
         <p:txBody>
-          <a:bodyPr rtlCol="0" anchor="ctr"/>
+          <a:bodyPr rot="0" spcFirstLastPara="0" vertOverflow="overflow" horzOverflow="overflow" vert="horz" wrap="square" lIns="91440" tIns="45721" rIns="91440" bIns="45721" numCol="1" spcCol="0" rtlCol="0" fromWordArt="0" anchor="ctr" anchorCtr="0" forceAA="0" compatLnSpc="1">
+            <a:prstTxWarp prst="textNoShape">
+              <a:avLst/>
+            </a:prstTxWarp>
+            <a:noAutofit/>
+          </a:bodyPr>
           <a:lstStyle/>
           <a:p>
             <a:pPr algn="ctr"/>
             <a:r>
-              <a:rPr lang="en-US" sz="1400" dirty="0" err="1">
+              <a:rPr lang="en-US" sz="1401" dirty="0" err="1">
                 <a:latin typeface="Open Sans" panose="020B0606030504020204" pitchFamily="34" charset="0"/>
                 <a:ea typeface="Open Sans" panose="020B0606030504020204" pitchFamily="34" charset="0"/>
                 <a:cs typeface="Open Sans" panose="020B0606030504020204" pitchFamily="34" charset="0"/>
               </a:rPr>
-              <a:t>eOGame</a:t>
-            </a:r>
-            <a:endParaRPr lang="en-US" sz="1400" dirty="0">
+              <a:t>runEOGame</a:t>
+            </a:r>
+            <a:endParaRPr lang="en-US" sz="1401" dirty="0">
               <a:latin typeface="Open Sans" panose="020B0606030504020204" pitchFamily="34" charset="0"/>
               <a:ea typeface="Open Sans" panose="020B0606030504020204" pitchFamily="34" charset="0"/>
               <a:cs typeface="Open Sans" panose="020B0606030504020204" pitchFamily="34" charset="0"/>
@@ -5876,12 +5842,464 @@
           </a:p>
         </p:txBody>
       </p:sp>
-      <p:sp>
-        <p:nvSpPr>
-          <p:cNvPr id="13" name="Rounded Rectangle 12">
-            <a:extLst>
-              <a:ext uri="{FF2B5EF4-FFF2-40B4-BE49-F238E27FC236}">
-                <a16:creationId xmlns:a16="http://schemas.microsoft.com/office/drawing/2014/main" id="{46B70F7C-E342-C543-A311-F42646629065}"/>
+      <p:cxnSp>
+        <p:nvCxnSpPr>
+          <p:cNvPr id="14" name="Straight Arrow Connector 13">
+            <a:extLst>
+              <a:ext uri="{FF2B5EF4-FFF2-40B4-BE49-F238E27FC236}">
+                <a16:creationId xmlns:a16="http://schemas.microsoft.com/office/drawing/2014/main" id="{A6C8EF4B-C737-E145-9008-8787DDB1BA73}"/>
+              </a:ext>
+            </a:extLst>
+          </p:cNvPr>
+          <p:cNvCxnSpPr>
+            <a:cxnSpLocks/>
+          </p:cNvCxnSpPr>
+          <p:nvPr/>
+        </p:nvCxnSpPr>
+        <p:spPr>
+          <a:xfrm flipV="1">
+            <a:off x="7754053" y="888251"/>
+            <a:ext cx="0" cy="1040251"/>
+          </a:xfrm>
+          <a:prstGeom prst="straightConnector1">
+            <a:avLst/>
+          </a:prstGeom>
+          <a:ln w="50800">
+            <a:solidFill>
+              <a:schemeClr val="tx1"/>
+            </a:solidFill>
+            <a:tailEnd type="arrow"/>
+          </a:ln>
+        </p:spPr>
+        <p:style>
+          <a:lnRef idx="1">
+            <a:schemeClr val="accent1"/>
+          </a:lnRef>
+          <a:fillRef idx="0">
+            <a:schemeClr val="accent1"/>
+          </a:fillRef>
+          <a:effectRef idx="0">
+            <a:schemeClr val="accent1"/>
+          </a:effectRef>
+          <a:fontRef idx="minor">
+            <a:schemeClr val="tx1"/>
+          </a:fontRef>
+        </p:style>
+      </p:cxnSp>
+      <p:cxnSp>
+        <p:nvCxnSpPr>
+          <p:cNvPr id="15" name="Straight Arrow Connector 14">
+            <a:extLst>
+              <a:ext uri="{FF2B5EF4-FFF2-40B4-BE49-F238E27FC236}">
+                <a16:creationId xmlns:a16="http://schemas.microsoft.com/office/drawing/2014/main" id="{CBA9800F-1323-A94D-86A1-04D8EE71C1C7}"/>
+              </a:ext>
+            </a:extLst>
+          </p:cNvPr>
+          <p:cNvCxnSpPr>
+            <a:cxnSpLocks/>
+          </p:cNvCxnSpPr>
+          <p:nvPr/>
+        </p:nvCxnSpPr>
+        <p:spPr>
+          <a:xfrm flipV="1">
+            <a:off x="8316763" y="888250"/>
+            <a:ext cx="18356" cy="1029362"/>
+          </a:xfrm>
+          <a:prstGeom prst="straightConnector1">
+            <a:avLst/>
+          </a:prstGeom>
+          <a:ln w="50800">
+            <a:solidFill>
+              <a:schemeClr val="tx1"/>
+            </a:solidFill>
+            <a:tailEnd type="arrow"/>
+          </a:ln>
+        </p:spPr>
+        <p:style>
+          <a:lnRef idx="1">
+            <a:schemeClr val="accent1"/>
+          </a:lnRef>
+          <a:fillRef idx="0">
+            <a:schemeClr val="accent1"/>
+          </a:fillRef>
+          <a:effectRef idx="0">
+            <a:schemeClr val="accent1"/>
+          </a:effectRef>
+          <a:fontRef idx="minor">
+            <a:schemeClr val="tx1"/>
+          </a:fontRef>
+        </p:style>
+      </p:cxnSp>
+      <p:sp>
+        <p:nvSpPr>
+          <p:cNvPr id="17" name="TextBox 16">
+            <a:extLst>
+              <a:ext uri="{FF2B5EF4-FFF2-40B4-BE49-F238E27FC236}">
+                <a16:creationId xmlns:a16="http://schemas.microsoft.com/office/drawing/2014/main" id="{0AD02952-2D1C-0844-AD0B-00A1239C209B}"/>
+              </a:ext>
+            </a:extLst>
+          </p:cNvPr>
+          <p:cNvSpPr txBox="1"/>
+          <p:nvPr/>
+        </p:nvSpPr>
+        <p:spPr>
+          <a:xfrm>
+            <a:off x="7269125" y="1287227"/>
+            <a:ext cx="929678" cy="307905"/>
+          </a:xfrm>
+          <a:prstGeom prst="rect">
+            <a:avLst/>
+          </a:prstGeom>
+          <a:solidFill>
+            <a:schemeClr val="bg1"/>
+          </a:solidFill>
+        </p:spPr>
+        <p:txBody>
+          <a:bodyPr wrap="none" rtlCol="0">
+            <a:spAutoFit/>
+          </a:bodyPr>
+          <a:lstStyle/>
+          <a:p>
+            <a:r>
+              <a:rPr lang="en-US" sz="1401" dirty="0">
+                <a:latin typeface="Open Sans" panose="020B0606030504020204" pitchFamily="34" charset="0"/>
+                <a:ea typeface="Open Sans" panose="020B0606030504020204" pitchFamily="34" charset="0"/>
+                <a:cs typeface="Open Sans" panose="020B0606030504020204" pitchFamily="34" charset="0"/>
+              </a:rPr>
+              <a:t>EOBoard</a:t>
+            </a:r>
+          </a:p>
+        </p:txBody>
+      </p:sp>
+      <p:sp>
+        <p:nvSpPr>
+          <p:cNvPr id="19" name="TextBox 18">
+            <a:extLst>
+              <a:ext uri="{FF2B5EF4-FFF2-40B4-BE49-F238E27FC236}">
+                <a16:creationId xmlns:a16="http://schemas.microsoft.com/office/drawing/2014/main" id="{58D3C3B7-753F-E34C-8173-66AC971DB300}"/>
+              </a:ext>
+            </a:extLst>
+          </p:cNvPr>
+          <p:cNvSpPr txBox="1"/>
+          <p:nvPr/>
+        </p:nvSpPr>
+        <p:spPr>
+          <a:xfrm>
+            <a:off x="8100988" y="1565461"/>
+            <a:ext cx="409086" cy="307905"/>
+          </a:xfrm>
+          <a:prstGeom prst="rect">
+            <a:avLst/>
+          </a:prstGeom>
+          <a:solidFill>
+            <a:schemeClr val="bg1"/>
+          </a:solidFill>
+        </p:spPr>
+        <p:txBody>
+          <a:bodyPr wrap="none" rtlCol="0">
+            <a:spAutoFit/>
+          </a:bodyPr>
+          <a:lstStyle/>
+          <a:p>
+            <a:r>
+              <a:rPr lang="en-US" sz="1401" dirty="0" err="1">
+                <a:latin typeface="Open Sans" panose="020B0606030504020204" pitchFamily="34" charset="0"/>
+                <a:ea typeface="Open Sans" panose="020B0606030504020204" pitchFamily="34" charset="0"/>
+                <a:cs typeface="Open Sans" panose="020B0606030504020204" pitchFamily="34" charset="0"/>
+              </a:rPr>
+              <a:t>Int</a:t>
+            </a:r>
+            <a:endParaRPr lang="en-US" sz="1401" dirty="0">
+              <a:latin typeface="Open Sans" panose="020B0606030504020204" pitchFamily="34" charset="0"/>
+              <a:ea typeface="Open Sans" panose="020B0606030504020204" pitchFamily="34" charset="0"/>
+              <a:cs typeface="Open Sans" panose="020B0606030504020204" pitchFamily="34" charset="0"/>
+            </a:endParaRPr>
+          </a:p>
+        </p:txBody>
+      </p:sp>
+      <p:cxnSp>
+        <p:nvCxnSpPr>
+          <p:cNvPr id="20" name="Straight Arrow Connector 19">
+            <a:extLst>
+              <a:ext uri="{FF2B5EF4-FFF2-40B4-BE49-F238E27FC236}">
+                <a16:creationId xmlns:a16="http://schemas.microsoft.com/office/drawing/2014/main" id="{BAAAD7B9-5210-0A4C-8230-C95EBB228E81}"/>
+              </a:ext>
+            </a:extLst>
+          </p:cNvPr>
+          <p:cNvCxnSpPr>
+            <a:cxnSpLocks/>
+          </p:cNvCxnSpPr>
+          <p:nvPr/>
+        </p:nvCxnSpPr>
+        <p:spPr>
+          <a:xfrm>
+            <a:off x="8902462" y="888250"/>
+            <a:ext cx="0" cy="1055410"/>
+          </a:xfrm>
+          <a:prstGeom prst="straightConnector1">
+            <a:avLst/>
+          </a:prstGeom>
+          <a:ln w="50800">
+            <a:solidFill>
+              <a:schemeClr val="tx1"/>
+            </a:solidFill>
+            <a:tailEnd type="arrow"/>
+          </a:ln>
+        </p:spPr>
+        <p:style>
+          <a:lnRef idx="1">
+            <a:schemeClr val="accent1"/>
+          </a:lnRef>
+          <a:fillRef idx="0">
+            <a:schemeClr val="accent1"/>
+          </a:fillRef>
+          <a:effectRef idx="0">
+            <a:schemeClr val="accent1"/>
+          </a:effectRef>
+          <a:fontRef idx="minor">
+            <a:schemeClr val="tx1"/>
+          </a:fontRef>
+        </p:style>
+      </p:cxnSp>
+      <p:sp>
+        <p:nvSpPr>
+          <p:cNvPr id="21" name="TextBox 20">
+            <a:extLst>
+              <a:ext uri="{FF2B5EF4-FFF2-40B4-BE49-F238E27FC236}">
+                <a16:creationId xmlns:a16="http://schemas.microsoft.com/office/drawing/2014/main" id="{D2959232-991E-0B4B-92E7-49616413E10B}"/>
+              </a:ext>
+            </a:extLst>
+          </p:cNvPr>
+          <p:cNvSpPr txBox="1"/>
+          <p:nvPr/>
+        </p:nvSpPr>
+        <p:spPr>
+          <a:xfrm>
+            <a:off x="8394431" y="1197877"/>
+            <a:ext cx="1349665" cy="307905"/>
+          </a:xfrm>
+          <a:prstGeom prst="rect">
+            <a:avLst/>
+          </a:prstGeom>
+          <a:solidFill>
+            <a:schemeClr val="bg1"/>
+          </a:solidFill>
+        </p:spPr>
+        <p:txBody>
+          <a:bodyPr wrap="none" rtlCol="0">
+            <a:spAutoFit/>
+          </a:bodyPr>
+          <a:lstStyle/>
+          <a:p>
+            <a:r>
+              <a:rPr lang="en-US" sz="1401" dirty="0">
+                <a:latin typeface="Open Sans" panose="020B0606030504020204" pitchFamily="34" charset="0"/>
+                <a:ea typeface="Open Sans" panose="020B0606030504020204" pitchFamily="34" charset="0"/>
+                <a:cs typeface="Open Sans" panose="020B0606030504020204" pitchFamily="34" charset="0"/>
+              </a:rPr>
+              <a:t>(EOBoard, </a:t>
+            </a:r>
+            <a:r>
+              <a:rPr lang="en-US" sz="1401" dirty="0" err="1">
+                <a:latin typeface="Open Sans" panose="020B0606030504020204" pitchFamily="34" charset="0"/>
+                <a:ea typeface="Open Sans" panose="020B0606030504020204" pitchFamily="34" charset="0"/>
+                <a:cs typeface="Open Sans" panose="020B0606030504020204" pitchFamily="34" charset="0"/>
+              </a:rPr>
+              <a:t>Int</a:t>
+            </a:r>
+            <a:r>
+              <a:rPr lang="en-US" sz="1401" dirty="0">
+                <a:latin typeface="Open Sans" panose="020B0606030504020204" pitchFamily="34" charset="0"/>
+                <a:ea typeface="Open Sans" panose="020B0606030504020204" pitchFamily="34" charset="0"/>
+                <a:cs typeface="Open Sans" panose="020B0606030504020204" pitchFamily="34" charset="0"/>
+              </a:rPr>
+              <a:t>)</a:t>
+            </a:r>
+          </a:p>
+        </p:txBody>
+      </p:sp>
+      <p:cxnSp>
+        <p:nvCxnSpPr>
+          <p:cNvPr id="22" name="Straight Arrow Connector 21">
+            <a:extLst>
+              <a:ext uri="{FF2B5EF4-FFF2-40B4-BE49-F238E27FC236}">
+                <a16:creationId xmlns:a16="http://schemas.microsoft.com/office/drawing/2014/main" id="{1F37AC9F-DC85-2B41-A1CF-4B38A028AB8F}"/>
+              </a:ext>
+            </a:extLst>
+          </p:cNvPr>
+          <p:cNvCxnSpPr>
+            <a:cxnSpLocks/>
+          </p:cNvCxnSpPr>
+          <p:nvPr/>
+        </p:nvCxnSpPr>
+        <p:spPr>
+          <a:xfrm>
+            <a:off x="5788975" y="2691292"/>
+            <a:ext cx="1449264" cy="2"/>
+          </a:xfrm>
+          <a:prstGeom prst="straightConnector1">
+            <a:avLst/>
+          </a:prstGeom>
+          <a:ln w="50800">
+            <a:solidFill>
+              <a:schemeClr val="tx1"/>
+            </a:solidFill>
+            <a:tailEnd type="arrow"/>
+          </a:ln>
+        </p:spPr>
+        <p:style>
+          <a:lnRef idx="1">
+            <a:schemeClr val="accent1"/>
+          </a:lnRef>
+          <a:fillRef idx="0">
+            <a:schemeClr val="accent1"/>
+          </a:fillRef>
+          <a:effectRef idx="0">
+            <a:schemeClr val="accent1"/>
+          </a:effectRef>
+          <a:fontRef idx="minor">
+            <a:schemeClr val="tx1"/>
+          </a:fontRef>
+        </p:style>
+      </p:cxnSp>
+      <p:sp>
+        <p:nvSpPr>
+          <p:cNvPr id="23" name="TextBox 22">
+            <a:extLst>
+              <a:ext uri="{FF2B5EF4-FFF2-40B4-BE49-F238E27FC236}">
+                <a16:creationId xmlns:a16="http://schemas.microsoft.com/office/drawing/2014/main" id="{ACE994DF-8822-9047-BFD2-50AD567B422C}"/>
+              </a:ext>
+            </a:extLst>
+          </p:cNvPr>
+          <p:cNvSpPr txBox="1"/>
+          <p:nvPr/>
+        </p:nvSpPr>
+        <p:spPr>
+          <a:xfrm>
+            <a:off x="6177719" y="2537404"/>
+            <a:ext cx="420146" cy="307905"/>
+          </a:xfrm>
+          <a:prstGeom prst="rect">
+            <a:avLst/>
+          </a:prstGeom>
+          <a:solidFill>
+            <a:schemeClr val="bg1"/>
+          </a:solidFill>
+        </p:spPr>
+        <p:txBody>
+          <a:bodyPr wrap="square" rtlCol="0">
+            <a:spAutoFit/>
+          </a:bodyPr>
+          <a:lstStyle/>
+          <a:p>
+            <a:r>
+              <a:rPr lang="en-US" sz="1401" dirty="0" err="1">
+                <a:latin typeface="Open Sans" panose="020B0606030504020204" pitchFamily="34" charset="0"/>
+                <a:ea typeface="Open Sans" panose="020B0606030504020204" pitchFamily="34" charset="0"/>
+                <a:cs typeface="Open Sans" panose="020B0606030504020204" pitchFamily="34" charset="0"/>
+              </a:rPr>
+              <a:t>Int</a:t>
+            </a:r>
+            <a:endParaRPr lang="en-US" sz="1401" dirty="0">
+              <a:latin typeface="Open Sans" panose="020B0606030504020204" pitchFamily="34" charset="0"/>
+              <a:ea typeface="Open Sans" panose="020B0606030504020204" pitchFamily="34" charset="0"/>
+              <a:cs typeface="Open Sans" panose="020B0606030504020204" pitchFamily="34" charset="0"/>
+            </a:endParaRPr>
+          </a:p>
+        </p:txBody>
+      </p:sp>
+      <p:cxnSp>
+        <p:nvCxnSpPr>
+          <p:cNvPr id="24" name="Straight Arrow Connector 23">
+            <a:extLst>
+              <a:ext uri="{FF2B5EF4-FFF2-40B4-BE49-F238E27FC236}">
+                <a16:creationId xmlns:a16="http://schemas.microsoft.com/office/drawing/2014/main" id="{0795C881-860E-144F-8C69-9CFF581415C0}"/>
+              </a:ext>
+            </a:extLst>
+          </p:cNvPr>
+          <p:cNvCxnSpPr>
+            <a:cxnSpLocks/>
+          </p:cNvCxnSpPr>
+          <p:nvPr/>
+        </p:nvCxnSpPr>
+        <p:spPr>
+          <a:xfrm>
+            <a:off x="9219437" y="2691292"/>
+            <a:ext cx="2009044" cy="0"/>
+          </a:xfrm>
+          <a:prstGeom prst="straightConnector1">
+            <a:avLst/>
+          </a:prstGeom>
+          <a:ln w="50800">
+            <a:solidFill>
+              <a:schemeClr val="tx1"/>
+            </a:solidFill>
+            <a:tailEnd type="arrow"/>
+          </a:ln>
+        </p:spPr>
+        <p:style>
+          <a:lnRef idx="1">
+            <a:schemeClr val="accent1"/>
+          </a:lnRef>
+          <a:fillRef idx="0">
+            <a:schemeClr val="accent1"/>
+          </a:fillRef>
+          <a:effectRef idx="0">
+            <a:schemeClr val="accent1"/>
+          </a:effectRef>
+          <a:fontRef idx="minor">
+            <a:schemeClr val="tx1"/>
+          </a:fontRef>
+        </p:style>
+      </p:cxnSp>
+      <p:sp>
+        <p:nvSpPr>
+          <p:cNvPr id="26" name="TextBox 25">
+            <a:extLst>
+              <a:ext uri="{FF2B5EF4-FFF2-40B4-BE49-F238E27FC236}">
+                <a16:creationId xmlns:a16="http://schemas.microsoft.com/office/drawing/2014/main" id="{7D6121BF-04B5-7A45-B591-F050DF37F361}"/>
+              </a:ext>
+            </a:extLst>
+          </p:cNvPr>
+          <p:cNvSpPr txBox="1"/>
+          <p:nvPr/>
+        </p:nvSpPr>
+        <p:spPr>
+          <a:xfrm>
+            <a:off x="9442732" y="2473717"/>
+            <a:ext cx="1387166" cy="307905"/>
+          </a:xfrm>
+          <a:prstGeom prst="rect">
+            <a:avLst/>
+          </a:prstGeom>
+          <a:solidFill>
+            <a:schemeClr val="bg1"/>
+          </a:solidFill>
+        </p:spPr>
+        <p:txBody>
+          <a:bodyPr wrap="square" rtlCol="0">
+            <a:spAutoFit/>
+          </a:bodyPr>
+          <a:lstStyle/>
+          <a:p>
+            <a:pPr algn="ctr"/>
+            <a:r>
+              <a:rPr lang="en-US" sz="1401" dirty="0">
+                <a:latin typeface="Open Sans" panose="020B0606030504020204" pitchFamily="34" charset="0"/>
+                <a:ea typeface="Open Sans" panose="020B0606030504020204" pitchFamily="34" charset="0"/>
+                <a:cs typeface="Open Sans" panose="020B0606030504020204" pitchFamily="34" charset="0"/>
+              </a:rPr>
+              <a:t>IO String</a:t>
+            </a:r>
+          </a:p>
+        </p:txBody>
+      </p:sp>
+      <p:sp>
+        <p:nvSpPr>
+          <p:cNvPr id="30" name="Rounded Rectangle 29">
+            <a:extLst>
+              <a:ext uri="{FF2B5EF4-FFF2-40B4-BE49-F238E27FC236}">
+                <a16:creationId xmlns:a16="http://schemas.microsoft.com/office/drawing/2014/main" id="{7CC60B2E-51C6-8848-804D-FE8F43C1E944}"/>
               </a:ext>
             </a:extLst>
           </p:cNvPr>
@@ -5890,8 +6308,8 @@
         </p:nvSpPr>
         <p:spPr>
           <a:xfrm>
-            <a:off x="4778618" y="1436075"/>
-            <a:ext cx="1981200" cy="597877"/>
+            <a:off x="2018255" y="2464240"/>
+            <a:ext cx="1981200" cy="1041445"/>
           </a:xfrm>
           <a:prstGeom prst="roundRect">
             <a:avLst/>
@@ -5912,19 +6330,24 @@
           </a:fontRef>
         </p:style>
         <p:txBody>
-          <a:bodyPr rtlCol="0" anchor="ctr"/>
+          <a:bodyPr rot="0" spcFirstLastPara="0" vertOverflow="overflow" horzOverflow="overflow" vert="horz" wrap="square" lIns="91440" tIns="45721" rIns="91440" bIns="45721" numCol="1" spcCol="0" rtlCol="0" fromWordArt="0" anchor="ctr" anchorCtr="0" forceAA="0" compatLnSpc="1">
+            <a:prstTxWarp prst="textNoShape">
+              <a:avLst/>
+            </a:prstTxWarp>
+            <a:noAutofit/>
+          </a:bodyPr>
           <a:lstStyle/>
           <a:p>
             <a:pPr algn="ctr"/>
             <a:r>
-              <a:rPr lang="en-US" sz="1400" dirty="0" err="1">
+              <a:rPr lang="en-US" sz="1401" dirty="0" err="1">
                 <a:latin typeface="Open Sans" panose="020B0606030504020204" pitchFamily="34" charset="0"/>
                 <a:ea typeface="Open Sans" panose="020B0606030504020204" pitchFamily="34" charset="0"/>
                 <a:cs typeface="Open Sans" panose="020B0606030504020204" pitchFamily="34" charset="0"/>
               </a:rPr>
-              <a:t>runEOGame</a:t>
-            </a:r>
-            <a:endParaRPr lang="en-US" sz="1400" dirty="0">
+              <a:t>eOGame</a:t>
+            </a:r>
+            <a:endParaRPr lang="en-US" sz="1401" dirty="0">
               <a:latin typeface="Open Sans" panose="020B0606030504020204" pitchFamily="34" charset="0"/>
               <a:ea typeface="Open Sans" panose="020B0606030504020204" pitchFamily="34" charset="0"/>
               <a:cs typeface="Open Sans" panose="020B0606030504020204" pitchFamily="34" charset="0"/>
@@ -5932,12 +6355,73 @@
           </a:p>
         </p:txBody>
       </p:sp>
+      <p:sp>
+        <p:nvSpPr>
+          <p:cNvPr id="31" name="Rounded Rectangle 30">
+            <a:extLst>
+              <a:ext uri="{FF2B5EF4-FFF2-40B4-BE49-F238E27FC236}">
+                <a16:creationId xmlns:a16="http://schemas.microsoft.com/office/drawing/2014/main" id="{B9DE241A-8069-FF4E-B929-2DAFCA130607}"/>
+              </a:ext>
+            </a:extLst>
+          </p:cNvPr>
+          <p:cNvSpPr/>
+          <p:nvPr/>
+        </p:nvSpPr>
+        <p:spPr>
+          <a:xfrm>
+            <a:off x="2018255" y="500460"/>
+            <a:ext cx="1981200" cy="597877"/>
+          </a:xfrm>
+          <a:prstGeom prst="roundRect">
+            <a:avLst/>
+          </a:prstGeom>
+        </p:spPr>
+        <p:style>
+          <a:lnRef idx="2">
+            <a:schemeClr val="dk1"/>
+          </a:lnRef>
+          <a:fillRef idx="1">
+            <a:schemeClr val="lt1"/>
+          </a:fillRef>
+          <a:effectRef idx="0">
+            <a:schemeClr val="dk1"/>
+          </a:effectRef>
+          <a:fontRef idx="minor">
+            <a:schemeClr val="dk1"/>
+          </a:fontRef>
+        </p:style>
+        <p:txBody>
+          <a:bodyPr rot="0" spcFirstLastPara="0" vertOverflow="overflow" horzOverflow="overflow" vert="horz" wrap="square" lIns="91440" tIns="45721" rIns="91440" bIns="45721" numCol="1" spcCol="0" rtlCol="0" fromWordArt="0" anchor="ctr" anchorCtr="0" forceAA="0" compatLnSpc="1">
+            <a:prstTxWarp prst="textNoShape">
+              <a:avLst/>
+            </a:prstTxWarp>
+            <a:noAutofit/>
+          </a:bodyPr>
+          <a:lstStyle/>
+          <a:p>
+            <a:pPr algn="ctr"/>
+            <a:r>
+              <a:rPr lang="en-US" sz="1401" dirty="0" err="1">
+                <a:latin typeface="Open Sans" panose="020B0606030504020204" pitchFamily="34" charset="0"/>
+                <a:ea typeface="Open Sans" panose="020B0606030504020204" pitchFamily="34" charset="0"/>
+                <a:cs typeface="Open Sans" panose="020B0606030504020204" pitchFamily="34" charset="0"/>
+              </a:rPr>
+              <a:t>findBestMove</a:t>
+            </a:r>
+            <a:endParaRPr lang="en-US" sz="1401" dirty="0">
+              <a:latin typeface="Open Sans" panose="020B0606030504020204" pitchFamily="34" charset="0"/>
+              <a:ea typeface="Open Sans" panose="020B0606030504020204" pitchFamily="34" charset="0"/>
+              <a:cs typeface="Open Sans" panose="020B0606030504020204" pitchFamily="34" charset="0"/>
+            </a:endParaRPr>
+          </a:p>
+        </p:txBody>
+      </p:sp>
       <p:cxnSp>
         <p:nvCxnSpPr>
-          <p:cNvPr id="14" name="Straight Arrow Connector 13">
-            <a:extLst>
-              <a:ext uri="{FF2B5EF4-FFF2-40B4-BE49-F238E27FC236}">
-                <a16:creationId xmlns:a16="http://schemas.microsoft.com/office/drawing/2014/main" id="{A6C8EF4B-C737-E145-9008-8787DDB1BA73}"/>
+          <p:cNvPr id="32" name="Straight Arrow Connector 31">
+            <a:extLst>
+              <a:ext uri="{FF2B5EF4-FFF2-40B4-BE49-F238E27FC236}">
+                <a16:creationId xmlns:a16="http://schemas.microsoft.com/office/drawing/2014/main" id="{D62C5462-DFE5-C443-8B71-9F8D265FE9AC}"/>
               </a:ext>
             </a:extLst>
           </p:cNvPr>
@@ -5948,7 +6432,214 @@
         </p:nvCxnSpPr>
         <p:spPr>
           <a:xfrm flipV="1">
-            <a:off x="5294435" y="2041141"/>
+            <a:off x="3096780" y="1094637"/>
+            <a:ext cx="0" cy="1365902"/>
+          </a:xfrm>
+          <a:prstGeom prst="straightConnector1">
+            <a:avLst/>
+          </a:prstGeom>
+          <a:ln w="50800">
+            <a:solidFill>
+              <a:schemeClr val="tx1"/>
+            </a:solidFill>
+            <a:tailEnd type="arrow"/>
+          </a:ln>
+        </p:spPr>
+        <p:style>
+          <a:lnRef idx="1">
+            <a:schemeClr val="accent1"/>
+          </a:lnRef>
+          <a:fillRef idx="0">
+            <a:schemeClr val="accent1"/>
+          </a:fillRef>
+          <a:effectRef idx="0">
+            <a:schemeClr val="accent1"/>
+          </a:effectRef>
+          <a:fontRef idx="minor">
+            <a:schemeClr val="tx1"/>
+          </a:fontRef>
+        </p:style>
+      </p:cxnSp>
+      <p:sp>
+        <p:nvSpPr>
+          <p:cNvPr id="33" name="TextBox 32">
+            <a:extLst>
+              <a:ext uri="{FF2B5EF4-FFF2-40B4-BE49-F238E27FC236}">
+                <a16:creationId xmlns:a16="http://schemas.microsoft.com/office/drawing/2014/main" id="{30D5FDE2-DA80-A74A-8128-7E14531BA37C}"/>
+              </a:ext>
+            </a:extLst>
+          </p:cNvPr>
+          <p:cNvSpPr txBox="1"/>
+          <p:nvPr/>
+        </p:nvSpPr>
+        <p:spPr>
+          <a:xfrm>
+            <a:off x="2677989" y="1887845"/>
+            <a:ext cx="929678" cy="307905"/>
+          </a:xfrm>
+          <a:prstGeom prst="rect">
+            <a:avLst/>
+          </a:prstGeom>
+          <a:solidFill>
+            <a:schemeClr val="bg1"/>
+          </a:solidFill>
+        </p:spPr>
+        <p:txBody>
+          <a:bodyPr wrap="none" rtlCol="0">
+            <a:spAutoFit/>
+          </a:bodyPr>
+          <a:lstStyle/>
+          <a:p>
+            <a:r>
+              <a:rPr lang="en-US" sz="1401" dirty="0">
+                <a:latin typeface="Open Sans" panose="020B0606030504020204" pitchFamily="34" charset="0"/>
+                <a:ea typeface="Open Sans" panose="020B0606030504020204" pitchFamily="34" charset="0"/>
+                <a:cs typeface="Open Sans" panose="020B0606030504020204" pitchFamily="34" charset="0"/>
+              </a:rPr>
+              <a:t>EOBoard</a:t>
+            </a:r>
+          </a:p>
+        </p:txBody>
+      </p:sp>
+      <p:sp>
+        <p:nvSpPr>
+          <p:cNvPr id="34" name="Rounded Rectangle 33">
+            <a:extLst>
+              <a:ext uri="{FF2B5EF4-FFF2-40B4-BE49-F238E27FC236}">
+                <a16:creationId xmlns:a16="http://schemas.microsoft.com/office/drawing/2014/main" id="{417BD83D-4FBE-224B-A4F7-9AC028076EF3}"/>
+              </a:ext>
+            </a:extLst>
+          </p:cNvPr>
+          <p:cNvSpPr/>
+          <p:nvPr/>
+        </p:nvSpPr>
+        <p:spPr>
+          <a:xfrm>
+            <a:off x="2018255" y="2464240"/>
+            <a:ext cx="1981200" cy="1041445"/>
+          </a:xfrm>
+          <a:prstGeom prst="roundRect">
+            <a:avLst/>
+          </a:prstGeom>
+        </p:spPr>
+        <p:style>
+          <a:lnRef idx="2">
+            <a:schemeClr val="dk1"/>
+          </a:lnRef>
+          <a:fillRef idx="1">
+            <a:schemeClr val="lt1"/>
+          </a:fillRef>
+          <a:effectRef idx="0">
+            <a:schemeClr val="dk1"/>
+          </a:effectRef>
+          <a:fontRef idx="minor">
+            <a:schemeClr val="dk1"/>
+          </a:fontRef>
+        </p:style>
+        <p:txBody>
+          <a:bodyPr rot="0" spcFirstLastPara="0" vertOverflow="overflow" horzOverflow="overflow" vert="horz" wrap="square" lIns="91440" tIns="45721" rIns="91440" bIns="45721" numCol="1" spcCol="0" rtlCol="0" fromWordArt="0" anchor="ctr" anchorCtr="0" forceAA="0" compatLnSpc="1">
+            <a:prstTxWarp prst="textNoShape">
+              <a:avLst/>
+            </a:prstTxWarp>
+            <a:noAutofit/>
+          </a:bodyPr>
+          <a:lstStyle/>
+          <a:p>
+            <a:pPr algn="ctr"/>
+            <a:r>
+              <a:rPr lang="en-US" sz="1401" dirty="0" err="1">
+                <a:latin typeface="Open Sans" panose="020B0606030504020204" pitchFamily="34" charset="0"/>
+                <a:ea typeface="Open Sans" panose="020B0606030504020204" pitchFamily="34" charset="0"/>
+                <a:cs typeface="Open Sans" panose="020B0606030504020204" pitchFamily="34" charset="0"/>
+              </a:rPr>
+              <a:t>eOExpt</a:t>
+            </a:r>
+            <a:endParaRPr lang="en-US" sz="1401" dirty="0">
+              <a:latin typeface="Open Sans" panose="020B0606030504020204" pitchFamily="34" charset="0"/>
+              <a:ea typeface="Open Sans" panose="020B0606030504020204" pitchFamily="34" charset="0"/>
+              <a:cs typeface="Open Sans" panose="020B0606030504020204" pitchFamily="34" charset="0"/>
+            </a:endParaRPr>
+          </a:p>
+        </p:txBody>
+      </p:sp>
+      <p:sp>
+        <p:nvSpPr>
+          <p:cNvPr id="35" name="Rounded Rectangle 34">
+            <a:extLst>
+              <a:ext uri="{FF2B5EF4-FFF2-40B4-BE49-F238E27FC236}">
+                <a16:creationId xmlns:a16="http://schemas.microsoft.com/office/drawing/2014/main" id="{749F5624-DE2E-F742-9A50-991357F73B98}"/>
+              </a:ext>
+            </a:extLst>
+          </p:cNvPr>
+          <p:cNvSpPr/>
+          <p:nvPr/>
+        </p:nvSpPr>
+        <p:spPr>
+          <a:xfrm>
+            <a:off x="2018255" y="500460"/>
+            <a:ext cx="1981200" cy="597877"/>
+          </a:xfrm>
+          <a:prstGeom prst="roundRect">
+            <a:avLst/>
+          </a:prstGeom>
+        </p:spPr>
+        <p:style>
+          <a:lnRef idx="2">
+            <a:schemeClr val="dk1"/>
+          </a:lnRef>
+          <a:fillRef idx="1">
+            <a:schemeClr val="lt1"/>
+          </a:fillRef>
+          <a:effectRef idx="0">
+            <a:schemeClr val="dk1"/>
+          </a:effectRef>
+          <a:fontRef idx="minor">
+            <a:schemeClr val="dk1"/>
+          </a:fontRef>
+        </p:style>
+        <p:txBody>
+          <a:bodyPr rot="0" spcFirstLastPara="0" vertOverflow="overflow" horzOverflow="overflow" vert="horz" wrap="square" lIns="91440" tIns="45721" rIns="91440" bIns="45721" numCol="1" spcCol="0" rtlCol="0" fromWordArt="0" anchor="ctr" anchorCtr="0" forceAA="0" compatLnSpc="1">
+            <a:prstTxWarp prst="textNoShape">
+              <a:avLst/>
+            </a:prstTxWarp>
+            <a:noAutofit/>
+          </a:bodyPr>
+          <a:lstStyle/>
+          <a:p>
+            <a:pPr algn="ctr"/>
+            <a:r>
+              <a:rPr lang="en-US" sz="1401" dirty="0" err="1">
+                <a:latin typeface="Open Sans" panose="020B0606030504020204" pitchFamily="34" charset="0"/>
+                <a:ea typeface="Open Sans" panose="020B0606030504020204" pitchFamily="34" charset="0"/>
+                <a:cs typeface="Open Sans" panose="020B0606030504020204" pitchFamily="34" charset="0"/>
+              </a:rPr>
+              <a:t>runExp</a:t>
+            </a:r>
+            <a:endParaRPr lang="en-US" sz="1401" dirty="0">
+              <a:latin typeface="Open Sans" panose="020B0606030504020204" pitchFamily="34" charset="0"/>
+              <a:ea typeface="Open Sans" panose="020B0606030504020204" pitchFamily="34" charset="0"/>
+              <a:cs typeface="Open Sans" panose="020B0606030504020204" pitchFamily="34" charset="0"/>
+            </a:endParaRPr>
+          </a:p>
+        </p:txBody>
+      </p:sp>
+      <p:cxnSp>
+        <p:nvCxnSpPr>
+          <p:cNvPr id="37" name="Straight Arrow Connector 36">
+            <a:extLst>
+              <a:ext uri="{FF2B5EF4-FFF2-40B4-BE49-F238E27FC236}">
+                <a16:creationId xmlns:a16="http://schemas.microsoft.com/office/drawing/2014/main" id="{9B8AD83D-40A6-5F43-9377-36AF8A3065ED}"/>
+              </a:ext>
+            </a:extLst>
+          </p:cNvPr>
+          <p:cNvCxnSpPr>
+            <a:cxnSpLocks/>
+          </p:cNvCxnSpPr>
+          <p:nvPr/>
+        </p:nvCxnSpPr>
+        <p:spPr>
+          <a:xfrm flipV="1">
+            <a:off x="2336389" y="1105526"/>
             <a:ext cx="0" cy="1365902"/>
           </a:xfrm>
           <a:prstGeom prst="straightConnector1">
@@ -5978,10 +6669,10 @@
       </p:cxnSp>
       <p:cxnSp>
         <p:nvCxnSpPr>
-          <p:cNvPr id="15" name="Straight Arrow Connector 14">
-            <a:extLst>
-              <a:ext uri="{FF2B5EF4-FFF2-40B4-BE49-F238E27FC236}">
-                <a16:creationId xmlns:a16="http://schemas.microsoft.com/office/drawing/2014/main" id="{CBA9800F-1323-A94D-86A1-04D8EE71C1C7}"/>
+          <p:cNvPr id="38" name="Straight Arrow Connector 37">
+            <a:extLst>
+              <a:ext uri="{FF2B5EF4-FFF2-40B4-BE49-F238E27FC236}">
+                <a16:creationId xmlns:a16="http://schemas.microsoft.com/office/drawing/2014/main" id="{43F9FFA5-A0BE-0A4B-80C2-01D3DFA64F5C}"/>
               </a:ext>
             </a:extLst>
           </p:cNvPr>
@@ -5992,7 +6683,7 @@
         </p:nvCxnSpPr>
         <p:spPr>
           <a:xfrm flipV="1">
-            <a:off x="5857144" y="2030252"/>
+            <a:off x="2709918" y="1105526"/>
             <a:ext cx="0" cy="1365902"/>
           </a:xfrm>
           <a:prstGeom prst="straightConnector1">
@@ -6022,10 +6713,10 @@
       </p:cxnSp>
       <p:sp>
         <p:nvSpPr>
-          <p:cNvPr id="17" name="TextBox 16">
-            <a:extLst>
-              <a:ext uri="{FF2B5EF4-FFF2-40B4-BE49-F238E27FC236}">
-                <a16:creationId xmlns:a16="http://schemas.microsoft.com/office/drawing/2014/main" id="{0AD02952-2D1C-0844-AD0B-00A1239C209B}"/>
+          <p:cNvPr id="41" name="TextBox 40">
+            <a:extLst>
+              <a:ext uri="{FF2B5EF4-FFF2-40B4-BE49-F238E27FC236}">
+                <a16:creationId xmlns:a16="http://schemas.microsoft.com/office/drawing/2014/main" id="{F463F84D-21B1-844B-97D3-D39B46EAE590}"/>
               </a:ext>
             </a:extLst>
           </p:cNvPr>
@@ -6034,8 +6725,8 @@
         </p:nvSpPr>
         <p:spPr>
           <a:xfrm>
-            <a:off x="4809505" y="2765770"/>
-            <a:ext cx="929678" cy="307777"/>
+            <a:off x="2124985" y="1839420"/>
+            <a:ext cx="409086" cy="307905"/>
           </a:xfrm>
           <a:prstGeom prst="rect">
             <a:avLst/>
@@ -6051,55 +6742,14 @@
           <a:lstStyle/>
           <a:p>
             <a:r>
-              <a:rPr lang="en-US" sz="1400" dirty="0">
-                <a:latin typeface="Open Sans" panose="020B0606030504020204" pitchFamily="34" charset="0"/>
-                <a:ea typeface="Open Sans" panose="020B0606030504020204" pitchFamily="34" charset="0"/>
-                <a:cs typeface="Open Sans" panose="020B0606030504020204" pitchFamily="34" charset="0"/>
-              </a:rPr>
-              <a:t>EOBoard</a:t>
-            </a:r>
-          </a:p>
-        </p:txBody>
-      </p:sp>
-      <p:sp>
-        <p:nvSpPr>
-          <p:cNvPr id="19" name="TextBox 18">
-            <a:extLst>
-              <a:ext uri="{FF2B5EF4-FFF2-40B4-BE49-F238E27FC236}">
-                <a16:creationId xmlns:a16="http://schemas.microsoft.com/office/drawing/2014/main" id="{58D3C3B7-753F-E34C-8173-66AC971DB300}"/>
-              </a:ext>
-            </a:extLst>
-          </p:cNvPr>
-          <p:cNvSpPr txBox="1"/>
-          <p:nvPr/>
-        </p:nvSpPr>
-        <p:spPr>
-          <a:xfrm>
-            <a:off x="5652601" y="2366793"/>
-            <a:ext cx="409086" cy="307777"/>
-          </a:xfrm>
-          <a:prstGeom prst="rect">
-            <a:avLst/>
-          </a:prstGeom>
-          <a:solidFill>
-            <a:schemeClr val="bg1"/>
-          </a:solidFill>
-        </p:spPr>
-        <p:txBody>
-          <a:bodyPr wrap="none" rtlCol="0">
-            <a:spAutoFit/>
-          </a:bodyPr>
-          <a:lstStyle/>
-          <a:p>
-            <a:r>
-              <a:rPr lang="en-US" sz="1400" dirty="0" err="1">
+              <a:rPr lang="en-US" sz="1401" dirty="0" err="1">
                 <a:latin typeface="Open Sans" panose="020B0606030504020204" pitchFamily="34" charset="0"/>
                 <a:ea typeface="Open Sans" panose="020B0606030504020204" pitchFamily="34" charset="0"/>
                 <a:cs typeface="Open Sans" panose="020B0606030504020204" pitchFamily="34" charset="0"/>
               </a:rPr>
               <a:t>Int</a:t>
             </a:r>
-            <a:endParaRPr lang="en-US" sz="1400" dirty="0">
+            <a:endParaRPr lang="en-US" sz="1401" dirty="0">
               <a:latin typeface="Open Sans" panose="020B0606030504020204" pitchFamily="34" charset="0"/>
               <a:ea typeface="Open Sans" panose="020B0606030504020204" pitchFamily="34" charset="0"/>
               <a:cs typeface="Open Sans" panose="020B0606030504020204" pitchFamily="34" charset="0"/>
@@ -6107,12 +6757,58 @@
           </a:p>
         </p:txBody>
       </p:sp>
+      <p:sp>
+        <p:nvSpPr>
+          <p:cNvPr id="45" name="TextBox 44">
+            <a:extLst>
+              <a:ext uri="{FF2B5EF4-FFF2-40B4-BE49-F238E27FC236}">
+                <a16:creationId xmlns:a16="http://schemas.microsoft.com/office/drawing/2014/main" id="{029A827A-BAC2-DA43-BDFE-024EA70B56A6}"/>
+              </a:ext>
+            </a:extLst>
+          </p:cNvPr>
+          <p:cNvSpPr txBox="1"/>
+          <p:nvPr/>
+        </p:nvSpPr>
+        <p:spPr>
+          <a:xfrm>
+            <a:off x="2469045" y="1443778"/>
+            <a:ext cx="409086" cy="307905"/>
+          </a:xfrm>
+          <a:prstGeom prst="rect">
+            <a:avLst/>
+          </a:prstGeom>
+          <a:solidFill>
+            <a:schemeClr val="bg1"/>
+          </a:solidFill>
+        </p:spPr>
+        <p:txBody>
+          <a:bodyPr wrap="none" rtlCol="0">
+            <a:spAutoFit/>
+          </a:bodyPr>
+          <a:lstStyle/>
+          <a:p>
+            <a:r>
+              <a:rPr lang="en-US" sz="1401" dirty="0" err="1">
+                <a:latin typeface="Open Sans" panose="020B0606030504020204" pitchFamily="34" charset="0"/>
+                <a:ea typeface="Open Sans" panose="020B0606030504020204" pitchFamily="34" charset="0"/>
+                <a:cs typeface="Open Sans" panose="020B0606030504020204" pitchFamily="34" charset="0"/>
+              </a:rPr>
+              <a:t>Int</a:t>
+            </a:r>
+            <a:endParaRPr lang="en-US" sz="1401" dirty="0">
+              <a:latin typeface="Open Sans" panose="020B0606030504020204" pitchFamily="34" charset="0"/>
+              <a:ea typeface="Open Sans" panose="020B0606030504020204" pitchFamily="34" charset="0"/>
+              <a:cs typeface="Open Sans" panose="020B0606030504020204" pitchFamily="34" charset="0"/>
+            </a:endParaRPr>
+          </a:p>
+        </p:txBody>
+      </p:sp>
       <p:cxnSp>
         <p:nvCxnSpPr>
-          <p:cNvPr id="20" name="Straight Arrow Connector 19">
-            <a:extLst>
-              <a:ext uri="{FF2B5EF4-FFF2-40B4-BE49-F238E27FC236}">
-                <a16:creationId xmlns:a16="http://schemas.microsoft.com/office/drawing/2014/main" id="{BAAAD7B9-5210-0A4C-8230-C95EBB228E81}"/>
+          <p:cNvPr id="46" name="Straight Arrow Connector 45">
+            <a:extLst>
+              <a:ext uri="{FF2B5EF4-FFF2-40B4-BE49-F238E27FC236}">
+                <a16:creationId xmlns:a16="http://schemas.microsoft.com/office/drawing/2014/main" id="{4532AD03-6A04-644F-A070-69644DF091AF}"/>
               </a:ext>
             </a:extLst>
           </p:cNvPr>
@@ -6123,7 +6819,7 @@
         </p:nvCxnSpPr>
         <p:spPr>
           <a:xfrm>
-            <a:off x="6442844" y="2041141"/>
+            <a:off x="3682480" y="1105527"/>
             <a:ext cx="0" cy="1381061"/>
           </a:xfrm>
           <a:prstGeom prst="straightConnector1">
@@ -6153,10 +6849,10 @@
       </p:cxnSp>
       <p:sp>
         <p:nvSpPr>
-          <p:cNvPr id="21" name="TextBox 20">
-            <a:extLst>
-              <a:ext uri="{FF2B5EF4-FFF2-40B4-BE49-F238E27FC236}">
-                <a16:creationId xmlns:a16="http://schemas.microsoft.com/office/drawing/2014/main" id="{D2959232-991E-0B4B-92E7-49616413E10B}"/>
+          <p:cNvPr id="47" name="TextBox 46">
+            <a:extLst>
+              <a:ext uri="{FF2B5EF4-FFF2-40B4-BE49-F238E27FC236}">
+                <a16:creationId xmlns:a16="http://schemas.microsoft.com/office/drawing/2014/main" id="{8D5BF2A2-9572-D340-B94D-525032D2AF8D}"/>
               </a:ext>
             </a:extLst>
           </p:cNvPr>
@@ -6165,8 +6861,8 @@
         </p:nvSpPr>
         <p:spPr>
           <a:xfrm>
-            <a:off x="5934811" y="2676419"/>
-            <a:ext cx="1349665" cy="307777"/>
+            <a:off x="3137109" y="1424332"/>
+            <a:ext cx="1468286" cy="307905"/>
           </a:xfrm>
           <a:prstGeom prst="rect">
             <a:avLst/>
@@ -6181,16 +6877,17 @@
           </a:bodyPr>
           <a:lstStyle/>
           <a:p>
-            <a:r>
-              <a:rPr lang="en-US" sz="1400" dirty="0">
+            <a:pPr algn="ctr"/>
+            <a:r>
+              <a:rPr lang="en-US" sz="1401" dirty="0">
                 <a:latin typeface="Open Sans" panose="020B0606030504020204" pitchFamily="34" charset="0"/>
                 <a:ea typeface="Open Sans" panose="020B0606030504020204" pitchFamily="34" charset="0"/>
                 <a:cs typeface="Open Sans" panose="020B0606030504020204" pitchFamily="34" charset="0"/>
               </a:rPr>
-              <a:t>(EOBoard, </a:t>
-            </a:r>
-            <a:r>
-              <a:rPr lang="en-US" sz="1400" dirty="0" err="1">
+              <a:t>[(EOBoard, </a:t>
+            </a:r>
+            <a:r>
+              <a:rPr lang="en-US" sz="1401" dirty="0" err="1">
                 <a:latin typeface="Open Sans" panose="020B0606030504020204" pitchFamily="34" charset="0"/>
                 <a:ea typeface="Open Sans" panose="020B0606030504020204" pitchFamily="34" charset="0"/>
                 <a:cs typeface="Open Sans" panose="020B0606030504020204" pitchFamily="34" charset="0"/>
@@ -6198,22 +6895,22 @@
               <a:t>Int</a:t>
             </a:r>
             <a:r>
-              <a:rPr lang="en-US" sz="1400" dirty="0">
+              <a:rPr lang="en-US" sz="1401" dirty="0">
                 <a:latin typeface="Open Sans" panose="020B0606030504020204" pitchFamily="34" charset="0"/>
                 <a:ea typeface="Open Sans" panose="020B0606030504020204" pitchFamily="34" charset="0"/>
                 <a:cs typeface="Open Sans" panose="020B0606030504020204" pitchFamily="34" charset="0"/>
               </a:rPr>
-              <a:t>)</a:t>
+              <a:t>)]</a:t>
             </a:r>
           </a:p>
         </p:txBody>
       </p:sp>
       <p:cxnSp>
         <p:nvCxnSpPr>
-          <p:cNvPr id="22" name="Straight Arrow Connector 21">
-            <a:extLst>
-              <a:ext uri="{FF2B5EF4-FFF2-40B4-BE49-F238E27FC236}">
-                <a16:creationId xmlns:a16="http://schemas.microsoft.com/office/drawing/2014/main" id="{1F37AC9F-DC85-2B41-A1CF-4B38A028AB8F}"/>
+          <p:cNvPr id="48" name="Straight Arrow Connector 47">
+            <a:extLst>
+              <a:ext uri="{FF2B5EF4-FFF2-40B4-BE49-F238E27FC236}">
+                <a16:creationId xmlns:a16="http://schemas.microsoft.com/office/drawing/2014/main" id="{AE344C7C-71D2-3A4F-AB25-918BB1054D40}"/>
               </a:ext>
             </a:extLst>
           </p:cNvPr>
@@ -6224,8 +6921,8 @@
         </p:nvCxnSpPr>
         <p:spPr>
           <a:xfrm>
-            <a:off x="3329354" y="4169835"/>
-            <a:ext cx="1449264" cy="1"/>
+            <a:off x="568991" y="3234220"/>
+            <a:ext cx="1449264" cy="2"/>
           </a:xfrm>
           <a:prstGeom prst="straightConnector1">
             <a:avLst/>
@@ -6254,10 +6951,10 @@
       </p:cxnSp>
       <p:sp>
         <p:nvSpPr>
-          <p:cNvPr id="23" name="TextBox 22">
-            <a:extLst>
-              <a:ext uri="{FF2B5EF4-FFF2-40B4-BE49-F238E27FC236}">
-                <a16:creationId xmlns:a16="http://schemas.microsoft.com/office/drawing/2014/main" id="{ACE994DF-8822-9047-BFD2-50AD567B422C}"/>
+          <p:cNvPr id="49" name="TextBox 48">
+            <a:extLst>
+              <a:ext uri="{FF2B5EF4-FFF2-40B4-BE49-F238E27FC236}">
+                <a16:creationId xmlns:a16="http://schemas.microsoft.com/office/drawing/2014/main" id="{AACBCA0A-9478-D846-829E-422BF443B8AF}"/>
               </a:ext>
             </a:extLst>
           </p:cNvPr>
@@ -6266,8 +6963,8 @@
         </p:nvSpPr>
         <p:spPr>
           <a:xfrm>
-            <a:off x="3718100" y="4015946"/>
-            <a:ext cx="420145" cy="307777"/>
+            <a:off x="957737" y="3080332"/>
+            <a:ext cx="420146" cy="307905"/>
           </a:xfrm>
           <a:prstGeom prst="rect">
             <a:avLst/>
@@ -6283,14 +6980,14 @@
           <a:lstStyle/>
           <a:p>
             <a:r>
-              <a:rPr lang="en-US" sz="1400" dirty="0" err="1">
+              <a:rPr lang="en-US" sz="1401" dirty="0" err="1">
                 <a:latin typeface="Open Sans" panose="020B0606030504020204" pitchFamily="34" charset="0"/>
                 <a:ea typeface="Open Sans" panose="020B0606030504020204" pitchFamily="34" charset="0"/>
                 <a:cs typeface="Open Sans" panose="020B0606030504020204" pitchFamily="34" charset="0"/>
               </a:rPr>
               <a:t>Int</a:t>
             </a:r>
-            <a:endParaRPr lang="en-US" sz="1400" dirty="0">
+            <a:endParaRPr lang="en-US" sz="1401" dirty="0">
               <a:latin typeface="Open Sans" panose="020B0606030504020204" pitchFamily="34" charset="0"/>
               <a:ea typeface="Open Sans" panose="020B0606030504020204" pitchFamily="34" charset="0"/>
               <a:cs typeface="Open Sans" panose="020B0606030504020204" pitchFamily="34" charset="0"/>
@@ -6300,10 +6997,10 @@
       </p:sp>
       <p:cxnSp>
         <p:nvCxnSpPr>
-          <p:cNvPr id="24" name="Straight Arrow Connector 23">
-            <a:extLst>
-              <a:ext uri="{FF2B5EF4-FFF2-40B4-BE49-F238E27FC236}">
-                <a16:creationId xmlns:a16="http://schemas.microsoft.com/office/drawing/2014/main" id="{0795C881-860E-144F-8C69-9CFF581415C0}"/>
+          <p:cNvPr id="50" name="Straight Arrow Connector 49">
+            <a:extLst>
+              <a:ext uri="{FF2B5EF4-FFF2-40B4-BE49-F238E27FC236}">
+                <a16:creationId xmlns:a16="http://schemas.microsoft.com/office/drawing/2014/main" id="{602DEBDA-B675-DB45-A116-5B6CEFA75D01}"/>
               </a:ext>
             </a:extLst>
           </p:cNvPr>
@@ -6314,7 +7011,7 @@
         </p:nvCxnSpPr>
         <p:spPr>
           <a:xfrm>
-            <a:off x="6759818" y="4169835"/>
+            <a:off x="3999455" y="3234220"/>
             <a:ext cx="2009044" cy="0"/>
           </a:xfrm>
           <a:prstGeom prst="straightConnector1">
@@ -6344,10 +7041,10 @@
       </p:cxnSp>
       <p:sp>
         <p:nvSpPr>
-          <p:cNvPr id="26" name="TextBox 25">
-            <a:extLst>
-              <a:ext uri="{FF2B5EF4-FFF2-40B4-BE49-F238E27FC236}">
-                <a16:creationId xmlns:a16="http://schemas.microsoft.com/office/drawing/2014/main" id="{7D6121BF-04B5-7A45-B591-F050DF37F361}"/>
+          <p:cNvPr id="51" name="TextBox 50">
+            <a:extLst>
+              <a:ext uri="{FF2B5EF4-FFF2-40B4-BE49-F238E27FC236}">
+                <a16:creationId xmlns:a16="http://schemas.microsoft.com/office/drawing/2014/main" id="{DECD4FE8-C8DB-854F-826C-ED45E86615EF}"/>
               </a:ext>
             </a:extLst>
           </p:cNvPr>
@@ -6356,8 +7053,8 @@
         </p:nvSpPr>
         <p:spPr>
           <a:xfrm>
-            <a:off x="6983111" y="3952261"/>
-            <a:ext cx="1387166" cy="307777"/>
+            <a:off x="4175303" y="3080332"/>
+            <a:ext cx="1469781" cy="307905"/>
           </a:xfrm>
           <a:prstGeom prst="rect">
             <a:avLst/>
@@ -6374,7 +7071,284 @@
           <a:p>
             <a:pPr algn="ctr"/>
             <a:r>
-              <a:rPr lang="en-US" sz="1400" dirty="0">
+              <a:rPr lang="en-US" sz="1401" dirty="0">
+                <a:latin typeface="Open Sans" panose="020B0606030504020204" pitchFamily="34" charset="0"/>
+                <a:ea typeface="Open Sans" panose="020B0606030504020204" pitchFamily="34" charset="0"/>
+                <a:cs typeface="Open Sans" panose="020B0606030504020204" pitchFamily="34" charset="0"/>
+              </a:rPr>
+              <a:t>[(EOBoard, </a:t>
+            </a:r>
+            <a:r>
+              <a:rPr lang="en-US" sz="1401" dirty="0" err="1">
+                <a:latin typeface="Open Sans" panose="020B0606030504020204" pitchFamily="34" charset="0"/>
+                <a:ea typeface="Open Sans" panose="020B0606030504020204" pitchFamily="34" charset="0"/>
+                <a:cs typeface="Open Sans" panose="020B0606030504020204" pitchFamily="34" charset="0"/>
+              </a:rPr>
+              <a:t>Int</a:t>
+            </a:r>
+            <a:r>
+              <a:rPr lang="en-US" sz="1401" dirty="0">
+                <a:latin typeface="Open Sans" panose="020B0606030504020204" pitchFamily="34" charset="0"/>
+                <a:ea typeface="Open Sans" panose="020B0606030504020204" pitchFamily="34" charset="0"/>
+                <a:cs typeface="Open Sans" panose="020B0606030504020204" pitchFamily="34" charset="0"/>
+              </a:rPr>
+              <a:t>)]</a:t>
+            </a:r>
+          </a:p>
+        </p:txBody>
+      </p:sp>
+      <p:cxnSp>
+        <p:nvCxnSpPr>
+          <p:cNvPr id="52" name="Straight Arrow Connector 51">
+            <a:extLst>
+              <a:ext uri="{FF2B5EF4-FFF2-40B4-BE49-F238E27FC236}">
+                <a16:creationId xmlns:a16="http://schemas.microsoft.com/office/drawing/2014/main" id="{E3B0669D-C2E5-A54F-B916-29F0C5D4A2FF}"/>
+              </a:ext>
+            </a:extLst>
+          </p:cNvPr>
+          <p:cNvCxnSpPr>
+            <a:cxnSpLocks/>
+          </p:cNvCxnSpPr>
+          <p:nvPr/>
+        </p:nvCxnSpPr>
+        <p:spPr>
+          <a:xfrm flipV="1">
+            <a:off x="3981199" y="285665"/>
+            <a:ext cx="3287927" cy="344651"/>
+          </a:xfrm>
+          <a:prstGeom prst="straightConnector1">
+            <a:avLst/>
+          </a:prstGeom>
+          <a:ln w="50800">
+            <a:solidFill>
+              <a:schemeClr val="tx1"/>
+            </a:solidFill>
+            <a:tailEnd type="arrow"/>
+          </a:ln>
+        </p:spPr>
+        <p:style>
+          <a:lnRef idx="1">
+            <a:schemeClr val="accent1"/>
+          </a:lnRef>
+          <a:fillRef idx="0">
+            <a:schemeClr val="accent1"/>
+          </a:fillRef>
+          <a:effectRef idx="0">
+            <a:schemeClr val="accent1"/>
+          </a:effectRef>
+          <a:fontRef idx="minor">
+            <a:schemeClr val="tx1"/>
+          </a:fontRef>
+        </p:style>
+      </p:cxnSp>
+      <p:cxnSp>
+        <p:nvCxnSpPr>
+          <p:cNvPr id="53" name="Straight Arrow Connector 52">
+            <a:extLst>
+              <a:ext uri="{FF2B5EF4-FFF2-40B4-BE49-F238E27FC236}">
+                <a16:creationId xmlns:a16="http://schemas.microsoft.com/office/drawing/2014/main" id="{B9309115-2A9A-B541-9B59-816DF5905411}"/>
+              </a:ext>
+            </a:extLst>
+          </p:cNvPr>
+          <p:cNvCxnSpPr>
+            <a:cxnSpLocks/>
+            <a:stCxn id="35" idx="3"/>
+          </p:cNvCxnSpPr>
+          <p:nvPr/>
+        </p:nvCxnSpPr>
+        <p:spPr>
+          <a:xfrm flipV="1">
+            <a:off x="3999454" y="498341"/>
+            <a:ext cx="3291406" cy="301058"/>
+          </a:xfrm>
+          <a:prstGeom prst="straightConnector1">
+            <a:avLst/>
+          </a:prstGeom>
+          <a:ln w="50800">
+            <a:solidFill>
+              <a:schemeClr val="tx1"/>
+            </a:solidFill>
+            <a:tailEnd type="arrow"/>
+          </a:ln>
+        </p:spPr>
+        <p:style>
+          <a:lnRef idx="1">
+            <a:schemeClr val="accent1"/>
+          </a:lnRef>
+          <a:fillRef idx="0">
+            <a:schemeClr val="accent1"/>
+          </a:fillRef>
+          <a:effectRef idx="0">
+            <a:schemeClr val="accent1"/>
+          </a:effectRef>
+          <a:fontRef idx="minor">
+            <a:schemeClr val="tx1"/>
+          </a:fontRef>
+        </p:style>
+      </p:cxnSp>
+      <p:cxnSp>
+        <p:nvCxnSpPr>
+          <p:cNvPr id="54" name="Straight Arrow Connector 53">
+            <a:extLst>
+              <a:ext uri="{FF2B5EF4-FFF2-40B4-BE49-F238E27FC236}">
+                <a16:creationId xmlns:a16="http://schemas.microsoft.com/office/drawing/2014/main" id="{3554719F-AAC5-BE46-ABD9-1D0E19080CF3}"/>
+              </a:ext>
+            </a:extLst>
+          </p:cNvPr>
+          <p:cNvCxnSpPr>
+            <a:cxnSpLocks/>
+          </p:cNvCxnSpPr>
+          <p:nvPr/>
+        </p:nvCxnSpPr>
+        <p:spPr>
+          <a:xfrm flipH="1">
+            <a:off x="3999457" y="793654"/>
+            <a:ext cx="3269669" cy="202329"/>
+          </a:xfrm>
+          <a:prstGeom prst="straightConnector1">
+            <a:avLst/>
+          </a:prstGeom>
+          <a:ln w="50800">
+            <a:solidFill>
+              <a:schemeClr val="tx1"/>
+            </a:solidFill>
+            <a:tailEnd type="arrow"/>
+          </a:ln>
+        </p:spPr>
+        <p:style>
+          <a:lnRef idx="1">
+            <a:schemeClr val="accent1"/>
+          </a:lnRef>
+          <a:fillRef idx="0">
+            <a:schemeClr val="accent1"/>
+          </a:fillRef>
+          <a:effectRef idx="0">
+            <a:schemeClr val="accent1"/>
+          </a:effectRef>
+          <a:fontRef idx="minor">
+            <a:schemeClr val="tx1"/>
+          </a:fontRef>
+        </p:style>
+      </p:cxnSp>
+      <p:sp>
+        <p:nvSpPr>
+          <p:cNvPr id="57" name="TextBox 56">
+            <a:extLst>
+              <a:ext uri="{FF2B5EF4-FFF2-40B4-BE49-F238E27FC236}">
+                <a16:creationId xmlns:a16="http://schemas.microsoft.com/office/drawing/2014/main" id="{B3AC9A15-DF88-1647-BF73-90BF8299D162}"/>
+              </a:ext>
+            </a:extLst>
+          </p:cNvPr>
+          <p:cNvSpPr txBox="1"/>
+          <p:nvPr/>
+        </p:nvSpPr>
+        <p:spPr>
+          <a:xfrm>
+            <a:off x="4498500" y="276827"/>
+            <a:ext cx="929678" cy="307905"/>
+          </a:xfrm>
+          <a:prstGeom prst="rect">
+            <a:avLst/>
+          </a:prstGeom>
+          <a:solidFill>
+            <a:schemeClr val="bg1"/>
+          </a:solidFill>
+        </p:spPr>
+        <p:txBody>
+          <a:bodyPr wrap="none" rtlCol="0">
+            <a:spAutoFit/>
+          </a:bodyPr>
+          <a:lstStyle/>
+          <a:p>
+            <a:r>
+              <a:rPr lang="en-US" sz="1401" dirty="0">
+                <a:latin typeface="Open Sans" panose="020B0606030504020204" pitchFamily="34" charset="0"/>
+                <a:ea typeface="Open Sans" panose="020B0606030504020204" pitchFamily="34" charset="0"/>
+                <a:cs typeface="Open Sans" panose="020B0606030504020204" pitchFamily="34" charset="0"/>
+              </a:rPr>
+              <a:t>EOBoard</a:t>
+            </a:r>
+          </a:p>
+        </p:txBody>
+      </p:sp>
+      <p:sp>
+        <p:nvSpPr>
+          <p:cNvPr id="58" name="TextBox 57">
+            <a:extLst>
+              <a:ext uri="{FF2B5EF4-FFF2-40B4-BE49-F238E27FC236}">
+                <a16:creationId xmlns:a16="http://schemas.microsoft.com/office/drawing/2014/main" id="{17B16C14-C763-8D4D-BA30-55F172150C61}"/>
+              </a:ext>
+            </a:extLst>
+          </p:cNvPr>
+          <p:cNvSpPr txBox="1"/>
+          <p:nvPr/>
+        </p:nvSpPr>
+        <p:spPr>
+          <a:xfrm>
+            <a:off x="6108716" y="426930"/>
+            <a:ext cx="409086" cy="307905"/>
+          </a:xfrm>
+          <a:prstGeom prst="rect">
+            <a:avLst/>
+          </a:prstGeom>
+          <a:solidFill>
+            <a:schemeClr val="bg1"/>
+          </a:solidFill>
+        </p:spPr>
+        <p:txBody>
+          <a:bodyPr wrap="none" rtlCol="0">
+            <a:spAutoFit/>
+          </a:bodyPr>
+          <a:lstStyle/>
+          <a:p>
+            <a:r>
+              <a:rPr lang="en-US" sz="1401" dirty="0" err="1">
+                <a:latin typeface="Open Sans" panose="020B0606030504020204" pitchFamily="34" charset="0"/>
+                <a:ea typeface="Open Sans" panose="020B0606030504020204" pitchFamily="34" charset="0"/>
+                <a:cs typeface="Open Sans" panose="020B0606030504020204" pitchFamily="34" charset="0"/>
+              </a:rPr>
+              <a:t>Int</a:t>
+            </a:r>
+            <a:endParaRPr lang="en-US" sz="1401" dirty="0">
+              <a:latin typeface="Open Sans" panose="020B0606030504020204" pitchFamily="34" charset="0"/>
+              <a:ea typeface="Open Sans" panose="020B0606030504020204" pitchFamily="34" charset="0"/>
+              <a:cs typeface="Open Sans" panose="020B0606030504020204" pitchFamily="34" charset="0"/>
+            </a:endParaRPr>
+          </a:p>
+        </p:txBody>
+      </p:sp>
+      <p:sp>
+        <p:nvSpPr>
+          <p:cNvPr id="59" name="TextBox 58">
+            <a:extLst>
+              <a:ext uri="{FF2B5EF4-FFF2-40B4-BE49-F238E27FC236}">
+                <a16:creationId xmlns:a16="http://schemas.microsoft.com/office/drawing/2014/main" id="{291D0A54-310A-044F-B1A9-BF6B7576B0E2}"/>
+              </a:ext>
+            </a:extLst>
+          </p:cNvPr>
+          <p:cNvSpPr txBox="1"/>
+          <p:nvPr/>
+        </p:nvSpPr>
+        <p:spPr>
+          <a:xfrm>
+            <a:off x="4750588" y="823939"/>
+            <a:ext cx="1349665" cy="307905"/>
+          </a:xfrm>
+          <a:prstGeom prst="rect">
+            <a:avLst/>
+          </a:prstGeom>
+          <a:solidFill>
+            <a:schemeClr val="bg1"/>
+          </a:solidFill>
+        </p:spPr>
+        <p:txBody>
+          <a:bodyPr wrap="none" rtlCol="0">
+            <a:spAutoFit/>
+          </a:bodyPr>
+          <a:lstStyle/>
+          <a:p>
+            <a:r>
+              <a:rPr lang="en-US" sz="1401" dirty="0">
                 <a:latin typeface="Open Sans" panose="020B0606030504020204" pitchFamily="34" charset="0"/>
                 <a:ea typeface="Open Sans" panose="020B0606030504020204" pitchFamily="34" charset="0"/>
                 <a:cs typeface="Open Sans" panose="020B0606030504020204" pitchFamily="34" charset="0"/>
@@ -6382,7 +7356,7 @@
               <a:t>(EOBoard, </a:t>
             </a:r>
             <a:r>
-              <a:rPr lang="en-US" sz="1400" dirty="0" err="1">
+              <a:rPr lang="en-US" sz="1401" dirty="0" err="1">
                 <a:latin typeface="Open Sans" panose="020B0606030504020204" pitchFamily="34" charset="0"/>
                 <a:ea typeface="Open Sans" panose="020B0606030504020204" pitchFamily="34" charset="0"/>
                 <a:cs typeface="Open Sans" panose="020B0606030504020204" pitchFamily="34" charset="0"/>
@@ -6390,7 +7364,7 @@
               <a:t>Int</a:t>
             </a:r>
             <a:r>
-              <a:rPr lang="en-US" sz="1400" dirty="0">
+              <a:rPr lang="en-US" sz="1401" dirty="0">
                 <a:latin typeface="Open Sans" panose="020B0606030504020204" pitchFamily="34" charset="0"/>
                 <a:ea typeface="Open Sans" panose="020B0606030504020204" pitchFamily="34" charset="0"/>
                 <a:cs typeface="Open Sans" panose="020B0606030504020204" pitchFamily="34" charset="0"/>
@@ -6404,6 +7378,36 @@
     <p:extLst>
       <p:ext uri="{BB962C8B-B14F-4D97-AF65-F5344CB8AC3E}">
         <p14:creationId xmlns:p14="http://schemas.microsoft.com/office/powerpoint/2010/main" val="1940805383"/>
+      </p:ext>
+    </p:extLst>
+  </p:cSld>
+  <p:clrMapOvr>
+    <a:masterClrMapping/>
+  </p:clrMapOvr>
+</p:sld>
+</file>
+
+<file path=ppt/slides/slide4.xml><?xml version="1.0" encoding="utf-8"?>
+<p:sld xmlns:a="http://schemas.openxmlformats.org/drawingml/2006/main" xmlns:r="http://schemas.openxmlformats.org/officeDocument/2006/relationships" xmlns:p="http://schemas.openxmlformats.org/presentationml/2006/main">
+  <p:cSld>
+    <p:spTree>
+      <p:nvGrpSpPr>
+        <p:cNvPr id="1" name=""/>
+        <p:cNvGrpSpPr/>
+        <p:nvPr/>
+      </p:nvGrpSpPr>
+      <p:grpSpPr>
+        <a:xfrm>
+          <a:off x="0" y="0"/>
+          <a:ext cx="0" cy="0"/>
+          <a:chOff x="0" y="0"/>
+          <a:chExt cx="0" cy="0"/>
+        </a:xfrm>
+      </p:grpSpPr>
+    </p:spTree>
+    <p:extLst>
+      <p:ext uri="{BB962C8B-B14F-4D97-AF65-F5344CB8AC3E}">
+        <p14:creationId xmlns:p14="http://schemas.microsoft.com/office/powerpoint/2010/main" val="3423371954"/>
       </p:ext>
     </p:extLst>
   </p:cSld>
